--- a/docs/model_configuration/figures/MIC-Figure-v1.pptx
+++ b/docs/model_configuration/figures/MIC-Figure-v1.pptx
@@ -7401,7 +7401,7 @@
       </p:sp>
       <p:grpSp>
         <p:nvGrpSpPr>
-          <p:cNvPr id="1041" name="Group 1040"/>
+          <p:cNvPr id="40" name="Group 39"/>
           <p:cNvGrpSpPr/>
           <p:nvPr/>
         </p:nvGrpSpPr>
@@ -7428,7 +7428,7 @@
           <p:spPr>
             <a:xfrm>
               <a:off x="610412" y="3411156"/>
-              <a:ext cx="2452185" cy="1782254"/>
+              <a:ext cx="2452185" cy="1455579"/>
             </a:xfrm>
             <a:prstGeom prst="roundRect">
               <a:avLst>
@@ -7480,7 +7480,7 @@
           </p:nvSpPr>
           <p:spPr>
             <a:xfrm>
-              <a:off x="3330505" y="1692394"/>
+              <a:off x="3551895" y="1386325"/>
               <a:ext cx="1480738" cy="1154951"/>
             </a:xfrm>
             <a:prstGeom prst="foldedCorner">
@@ -7539,8 +7539,8 @@
           </p:nvSpPr>
           <p:spPr>
             <a:xfrm>
-              <a:off x="5360953" y="2108518"/>
-              <a:ext cx="1698550" cy="646331"/>
+              <a:off x="5242546" y="1809905"/>
+              <a:ext cx="1698550" cy="461665"/>
             </a:xfrm>
             <a:prstGeom prst="rect">
               <a:avLst/>
@@ -7559,25 +7559,7 @@
                     <a:schemeClr val="accent1"/>
                   </a:solidFill>
                 </a:rPr>
-                <a:t>Expose </a:t>
-              </a:r>
-              <a:r>
-                <a:rPr lang="en-US" sz="1200" b="1" dirty="0">
-                  <a:solidFill>
-                    <a:schemeClr val="accent1"/>
-                  </a:solidFill>
-                </a:rPr>
-                <a:t>Model</a:t>
-              </a:r>
-            </a:p>
-            <a:p>
-              <a:r>
-                <a:rPr lang="en-US" sz="1200" b="1" dirty="0">
-                  <a:solidFill>
-                    <a:schemeClr val="accent1"/>
-                  </a:solidFill>
-                </a:rPr>
-                <a:t>Component </a:t>
+                <a:t>Component inputs </a:t>
               </a:r>
               <a:r>
                 <a:rPr lang="en-US" sz="1200" b="1" dirty="0" smtClean="0">
@@ -7585,7 +7567,7 @@
                     <a:schemeClr val="accent1"/>
                   </a:solidFill>
                 </a:rPr>
-                <a:t>Inputs and parameters</a:t>
+                <a:t>and parameters</a:t>
               </a:r>
               <a:endParaRPr lang="en-US" sz="1200" b="1" dirty="0">
                 <a:solidFill>
@@ -7609,8 +7591,8 @@
           </p:nvSpPr>
           <p:spPr>
             <a:xfrm>
-              <a:off x="629178" y="2371510"/>
-              <a:ext cx="1585484" cy="646331"/>
+              <a:off x="1846403" y="3141514"/>
+              <a:ext cx="1204129" cy="276999"/>
             </a:xfrm>
             <a:prstGeom prst="rect">
               <a:avLst/>
@@ -7629,22 +7611,7 @@
                     <a:schemeClr val="accent1"/>
                   </a:solidFill>
                 </a:rPr>
-                <a:t>Create MIC Wrapper</a:t>
-              </a:r>
-              <a:br>
-                <a:rPr lang="en-US" sz="1200" b="1" dirty="0" smtClean="0">
-                  <a:solidFill>
-                    <a:schemeClr val="accent1"/>
-                  </a:solidFill>
-                </a:rPr>
-              </a:br>
-              <a:r>
-                <a:rPr lang="en-US" sz="1200" b="1" dirty="0" smtClean="0">
-                  <a:solidFill>
-                    <a:schemeClr val="accent1"/>
-                  </a:solidFill>
-                </a:rPr>
-                <a:t>and copy model executable</a:t>
+                <a:t>MIC Wrapper</a:t>
               </a:r>
               <a:endParaRPr lang="en-US" sz="1200" b="1" dirty="0">
                 <a:solidFill>
@@ -7668,7 +7635,7 @@
           </p:nvSpPr>
           <p:spPr>
             <a:xfrm>
-              <a:off x="2764003" y="1880334"/>
+              <a:off x="3121547" y="1926171"/>
               <a:ext cx="478016" cy="461665"/>
             </a:xfrm>
             <a:prstGeom prst="rect">
@@ -7757,10 +7724,10 @@
         </p:sp>
         <p:sp>
           <p:nvSpPr>
-            <p:cNvPr id="8" name="TextBox 7">
-              <a:extLst>
-                <a:ext uri="{FF2B5EF4-FFF2-40B4-BE49-F238E27FC236}">
-                  <a16:creationId xmlns:a16="http://schemas.microsoft.com/office/drawing/2014/main" id="{2C02FC1D-6496-0149-BDA9-E6962FE59652}"/>
+            <p:cNvPr id="11" name="TextBox 10">
+              <a:extLst>
+                <a:ext uri="{FF2B5EF4-FFF2-40B4-BE49-F238E27FC236}">
+                  <a16:creationId xmlns:a16="http://schemas.microsoft.com/office/drawing/2014/main" id="{7C0FD246-08CA-2342-A404-F99248E2E0C3}"/>
                 </a:ext>
               </a:extLst>
             </p:cNvPr>
@@ -7769,98 +7736,7 @@
           </p:nvSpPr>
           <p:spPr>
             <a:xfrm>
-              <a:off x="640321" y="4807243"/>
-              <a:ext cx="2252283" cy="276999"/>
-            </a:xfrm>
-            <a:prstGeom prst="rect">
-              <a:avLst/>
-            </a:prstGeom>
-            <a:noFill/>
-          </p:spPr>
-          <p:txBody>
-            <a:bodyPr wrap="none" rtlCol="0">
-              <a:spAutoFit/>
-            </a:bodyPr>
-            <a:lstStyle/>
-            <a:p>
-              <a:r>
-                <a:rPr lang="en-US" sz="1200" b="1" dirty="0">
-                  <a:solidFill>
-                    <a:schemeClr val="accent1"/>
-                  </a:solidFill>
-                </a:rPr>
-                <a:t>Model command line invocation</a:t>
-              </a:r>
-            </a:p>
-          </p:txBody>
-        </p:sp>
-        <p:sp>
-          <p:nvSpPr>
-            <p:cNvPr id="10" name="TextBox 9">
-              <a:extLst>
-                <a:ext uri="{FF2B5EF4-FFF2-40B4-BE49-F238E27FC236}">
-                  <a16:creationId xmlns:a16="http://schemas.microsoft.com/office/drawing/2014/main" id="{04EFDBE4-C8CB-784C-B6BD-A681BE648770}"/>
-                </a:ext>
-              </a:extLst>
-            </p:cNvPr>
-            <p:cNvSpPr txBox="1"/>
-            <p:nvPr/>
-          </p:nvSpPr>
-          <p:spPr>
-            <a:xfrm>
-              <a:off x="3418230" y="1394343"/>
-              <a:ext cx="1884710" cy="276999"/>
-            </a:xfrm>
-            <a:prstGeom prst="rect">
-              <a:avLst/>
-            </a:prstGeom>
-            <a:noFill/>
-          </p:spPr>
-          <p:txBody>
-            <a:bodyPr wrap="square" rtlCol="0">
-              <a:spAutoFit/>
-            </a:bodyPr>
-            <a:lstStyle/>
-            <a:p>
-              <a:r>
-                <a:rPr lang="en-US" sz="1200" b="1" dirty="0">
-                  <a:solidFill>
-                    <a:schemeClr val="accent1"/>
-                  </a:solidFill>
-                </a:rPr>
-                <a:t>Model Component </a:t>
-              </a:r>
-              <a:r>
-                <a:rPr lang="en-US" sz="1200" b="1" dirty="0" smtClean="0">
-                  <a:solidFill>
-                    <a:schemeClr val="accent1"/>
-                  </a:solidFill>
-                </a:rPr>
-                <a:t>Name</a:t>
-              </a:r>
-              <a:endParaRPr lang="en-US" sz="1200" b="1" dirty="0">
-                <a:solidFill>
-                  <a:schemeClr val="accent1"/>
-                </a:solidFill>
-              </a:endParaRPr>
-            </a:p>
-          </p:txBody>
-        </p:sp>
-        <p:sp>
-          <p:nvSpPr>
-            <p:cNvPr id="11" name="TextBox 10">
-              <a:extLst>
-                <a:ext uri="{FF2B5EF4-FFF2-40B4-BE49-F238E27FC236}">
-                  <a16:creationId xmlns:a16="http://schemas.microsoft.com/office/drawing/2014/main" id="{7C0FD246-08CA-2342-A404-F99248E2E0C3}"/>
-                </a:ext>
-              </a:extLst>
-            </p:cNvPr>
-            <p:cNvSpPr txBox="1"/>
-            <p:nvPr/>
-          </p:nvSpPr>
-          <p:spPr>
-            <a:xfrm>
-              <a:off x="3345482" y="1714943"/>
+              <a:off x="3566872" y="1408874"/>
               <a:ext cx="1532792" cy="1169551"/>
             </a:xfrm>
             <a:prstGeom prst="rect">
@@ -8452,47 +8328,6 @@
             </a:p>
           </p:txBody>
         </p:sp>
-        <p:cxnSp>
-          <p:nvCxnSpPr>
-            <p:cNvPr id="31" name="Straight Arrow Connector 30">
-              <a:extLst>
-                <a:ext uri="{FF2B5EF4-FFF2-40B4-BE49-F238E27FC236}">
-                  <a16:creationId xmlns:a16="http://schemas.microsoft.com/office/drawing/2014/main" id="{EA5F7BA4-B9FB-9348-844D-8814058BD447}"/>
-                </a:ext>
-              </a:extLst>
-            </p:cNvPr>
-            <p:cNvCxnSpPr>
-              <a:cxnSpLocks/>
-            </p:cNvCxnSpPr>
-            <p:nvPr/>
-          </p:nvCxnSpPr>
-          <p:spPr>
-            <a:xfrm flipV="1">
-              <a:off x="907628" y="4475638"/>
-              <a:ext cx="3222" cy="391097"/>
-            </a:xfrm>
-            <a:prstGeom prst="straightConnector1">
-              <a:avLst/>
-            </a:prstGeom>
-            <a:ln w="12700">
-              <a:tailEnd type="triangle"/>
-            </a:ln>
-          </p:spPr>
-          <p:style>
-            <a:lnRef idx="1">
-              <a:schemeClr val="accent1"/>
-            </a:lnRef>
-            <a:fillRef idx="0">
-              <a:schemeClr val="accent1"/>
-            </a:fillRef>
-            <a:effectRef idx="0">
-              <a:schemeClr val="accent1"/>
-            </a:effectRef>
-            <a:fontRef idx="minor">
-              <a:schemeClr val="tx1"/>
-            </a:fontRef>
-          </p:style>
-        </p:cxnSp>
         <p:sp>
           <p:nvSpPr>
             <p:cNvPr id="37" name="TextBox 36">
@@ -9029,11 +8864,6 @@
                 </a:rPr>
                 <a:t>Model dependencies</a:t>
               </a:r>
-              <a:endParaRPr lang="en-US" sz="1000" i="1" dirty="0">
-                <a:solidFill>
-                  <a:schemeClr val="accent6"/>
-                </a:solidFill>
-              </a:endParaRPr>
             </a:p>
           </p:txBody>
         </p:sp>
@@ -9051,7 +8881,7 @@
           </p:nvSpPr>
           <p:spPr>
             <a:xfrm>
-              <a:off x="731066" y="1871027"/>
+              <a:off x="731066" y="1719070"/>
               <a:ext cx="652759" cy="291017"/>
             </a:xfrm>
             <a:prstGeom prst="rect">
@@ -9169,7 +8999,7 @@
           </p:nvSpPr>
           <p:spPr>
             <a:xfrm>
-              <a:off x="610413" y="5251652"/>
+              <a:off x="610413" y="4923992"/>
               <a:ext cx="652759" cy="291017"/>
             </a:xfrm>
             <a:prstGeom prst="rect">
@@ -9405,7 +9235,7 @@
           </p:nvSpPr>
           <p:spPr>
             <a:xfrm>
-              <a:off x="5465418" y="1806503"/>
+              <a:off x="5686808" y="1500434"/>
               <a:ext cx="652759" cy="291017"/>
             </a:xfrm>
             <a:prstGeom prst="rect">
@@ -9450,48 +9280,6 @@
             </a:p>
           </p:txBody>
         </p:sp>
-        <p:cxnSp>
-          <p:nvCxnSpPr>
-            <p:cNvPr id="83" name="Straight Arrow Connector 82">
-              <a:extLst>
-                <a:ext uri="{FF2B5EF4-FFF2-40B4-BE49-F238E27FC236}">
-                  <a16:creationId xmlns:a16="http://schemas.microsoft.com/office/drawing/2014/main" id="{EEE1D37C-A763-4743-A0DC-7DE2A02D45A5}"/>
-                </a:ext>
-              </a:extLst>
-            </p:cNvPr>
-            <p:cNvCxnSpPr>
-              <a:cxnSpLocks/>
-              <a:stCxn id="5" idx="2"/>
-            </p:cNvCxnSpPr>
-            <p:nvPr/>
-          </p:nvCxnSpPr>
-          <p:spPr>
-            <a:xfrm>
-              <a:off x="1421920" y="3017841"/>
-              <a:ext cx="0" cy="488615"/>
-            </a:xfrm>
-            <a:prstGeom prst="straightConnector1">
-              <a:avLst/>
-            </a:prstGeom>
-            <a:ln w="12700">
-              <a:tailEnd type="triangle"/>
-            </a:ln>
-          </p:spPr>
-          <p:style>
-            <a:lnRef idx="1">
-              <a:schemeClr val="accent1"/>
-            </a:lnRef>
-            <a:fillRef idx="0">
-              <a:schemeClr val="accent1"/>
-            </a:fillRef>
-            <a:effectRef idx="0">
-              <a:schemeClr val="accent1"/>
-            </a:effectRef>
-            <a:fontRef idx="minor">
-              <a:schemeClr val="tx1"/>
-            </a:fontRef>
-          </p:style>
-        </p:cxnSp>
         <p:sp>
           <p:nvSpPr>
             <p:cNvPr id="86" name="Rectangle 85">
@@ -9568,7 +9356,7 @@
           </p:nvCxnSpPr>
           <p:spPr>
             <a:xfrm>
-              <a:off x="4811243" y="1952012"/>
+              <a:off x="5032633" y="1645943"/>
               <a:ext cx="654175" cy="0"/>
             </a:xfrm>
             <a:prstGeom prst="line">
@@ -9832,10 +9620,10 @@
         </p:cxnSp>
         <p:sp>
           <p:nvSpPr>
-            <p:cNvPr id="108" name="TextBox 107">
-              <a:extLst>
-                <a:ext uri="{FF2B5EF4-FFF2-40B4-BE49-F238E27FC236}">
-                  <a16:creationId xmlns:a16="http://schemas.microsoft.com/office/drawing/2014/main" id="{6513D17B-5EB2-E347-A266-D00811E16CAA}"/>
+            <p:cNvPr id="118" name="TextBox 117">
+              <a:extLst>
+                <a:ext uri="{FF2B5EF4-FFF2-40B4-BE49-F238E27FC236}">
+                  <a16:creationId xmlns:a16="http://schemas.microsoft.com/office/drawing/2014/main" id="{9AEE00DC-AC7F-1A42-B84A-7574D0C93D6A}"/>
                 </a:ext>
               </a:extLst>
             </p:cNvPr>
@@ -9844,8 +9632,8 @@
           </p:nvSpPr>
           <p:spPr>
             <a:xfrm>
-              <a:off x="5959856" y="5626335"/>
-              <a:ext cx="1057212" cy="276999"/>
+              <a:off x="4500616" y="3584520"/>
+              <a:ext cx="1059072" cy="646331"/>
             </a:xfrm>
             <a:prstGeom prst="rect">
               <a:avLst/>
@@ -9864,51 +9652,7 @@
                     <a:schemeClr val="accent1"/>
                   </a:solidFill>
                 </a:rPr>
-                <a:t>Docker Image</a:t>
-              </a:r>
-              <a:endParaRPr lang="en-US" sz="1200" b="1" dirty="0">
-                <a:solidFill>
-                  <a:schemeClr val="accent1"/>
-                </a:solidFill>
-              </a:endParaRPr>
-            </a:p>
-          </p:txBody>
-        </p:sp>
-        <p:sp>
-          <p:nvSpPr>
-            <p:cNvPr id="118" name="TextBox 117">
-              <a:extLst>
-                <a:ext uri="{FF2B5EF4-FFF2-40B4-BE49-F238E27FC236}">
-                  <a16:creationId xmlns:a16="http://schemas.microsoft.com/office/drawing/2014/main" id="{9AEE00DC-AC7F-1A42-B84A-7574D0C93D6A}"/>
-                </a:ext>
-              </a:extLst>
-            </p:cNvPr>
-            <p:cNvSpPr txBox="1"/>
-            <p:nvPr/>
-          </p:nvSpPr>
-          <p:spPr>
-            <a:xfrm>
-              <a:off x="4500616" y="3584520"/>
-              <a:ext cx="1059072" cy="646331"/>
-            </a:xfrm>
-            <a:prstGeom prst="rect">
-              <a:avLst/>
-            </a:prstGeom>
-            <a:noFill/>
-          </p:spPr>
-          <p:txBody>
-            <a:bodyPr wrap="none" rtlCol="0">
-              <a:spAutoFit/>
-            </a:bodyPr>
-            <a:lstStyle/>
-            <a:p>
-              <a:r>
-                <a:rPr lang="en-US" sz="1200" b="1" dirty="0" smtClean="0">
-                  <a:solidFill>
-                    <a:schemeClr val="accent1"/>
-                  </a:solidFill>
-                </a:rPr>
-                <a:t>Edit Model </a:t>
+                <a:t>Model </a:t>
               </a:r>
               <a:endParaRPr lang="en-US" sz="1200" b="1" dirty="0">
                 <a:solidFill>
@@ -9952,7 +9696,7 @@
           </p:nvSpPr>
           <p:spPr>
             <a:xfrm>
-              <a:off x="4499033" y="4456018"/>
+              <a:off x="4506617" y="4378587"/>
               <a:ext cx="803746" cy="461665"/>
             </a:xfrm>
             <a:prstGeom prst="rect">
@@ -10004,8 +9748,8 @@
           </p:nvCxnSpPr>
           <p:spPr>
             <a:xfrm>
-              <a:off x="936793" y="4989546"/>
-              <a:ext cx="0" cy="262106"/>
+              <a:off x="936793" y="4537003"/>
+              <a:ext cx="0" cy="386989"/>
             </a:xfrm>
             <a:prstGeom prst="line">
               <a:avLst/>
@@ -10401,13 +10145,14 @@
             </p:cNvPr>
             <p:cNvCxnSpPr>
               <a:cxnSpLocks/>
+              <a:endCxn id="11" idx="1"/>
             </p:cNvCxnSpPr>
             <p:nvPr/>
           </p:nvCxnSpPr>
           <p:spPr>
             <a:xfrm>
               <a:off x="2708091" y="1688037"/>
-              <a:ext cx="589841" cy="310882"/>
+              <a:ext cx="858781" cy="305613"/>
             </a:xfrm>
             <a:prstGeom prst="straightConnector1">
               <a:avLst/>
@@ -10946,7 +10691,7 @@
           </p:nvSpPr>
           <p:spPr>
             <a:xfrm>
-              <a:off x="1194633" y="3934602"/>
+              <a:off x="1100509" y="3927552"/>
               <a:ext cx="1283741" cy="276999"/>
             </a:xfrm>
             <a:prstGeom prst="rect">
@@ -10966,7 +10711,23 @@
                     <a:schemeClr val="accent1"/>
                   </a:solidFill>
                 </a:rPr>
-                <a:t>MIC Run File</a:t>
+                <a:t>(MIC </a:t>
+              </a:r>
+              <a:r>
+                <a:rPr lang="en-US" sz="1200" b="1" dirty="0" smtClean="0">
+                  <a:solidFill>
+                    <a:schemeClr val="accent1"/>
+                  </a:solidFill>
+                </a:rPr>
+                <a:t>Run </a:t>
+              </a:r>
+              <a:r>
+                <a:rPr lang="en-US" sz="1200" b="1" dirty="0" smtClean="0">
+                  <a:solidFill>
+                    <a:schemeClr val="accent1"/>
+                  </a:solidFill>
+                </a:rPr>
+                <a:t>File)</a:t>
               </a:r>
               <a:endParaRPr lang="en-US" sz="1200" b="1" dirty="0">
                 <a:solidFill>
@@ -10987,13 +10748,13 @@
           </p:nvCxnSpPr>
           <p:spPr>
             <a:xfrm rot="5400000" flipH="1" flipV="1">
-              <a:off x="3736954" y="2923706"/>
-              <a:ext cx="369255" cy="4170154"/>
+              <a:off x="3900292" y="2760368"/>
+              <a:ext cx="42580" cy="4170154"/>
             </a:xfrm>
             <a:prstGeom prst="bentConnector4">
               <a:avLst>
-                <a:gd name="adj1" fmla="val -43748"/>
-                <a:gd name="adj2" fmla="val 82388"/>
+                <a:gd name="adj1" fmla="val -1109535"/>
+                <a:gd name="adj2" fmla="val 64701"/>
               </a:avLst>
             </a:prstGeom>
             <a:ln>
@@ -11015,102 +10776,6 @@
             </a:fontRef>
           </p:style>
         </p:cxnSp>
-        <p:sp>
-          <p:nvSpPr>
-            <p:cNvPr id="142" name="TextBox 141">
-              <a:extLst>
-                <a:ext uri="{FF2B5EF4-FFF2-40B4-BE49-F238E27FC236}">
-                  <a16:creationId xmlns:a16="http://schemas.microsoft.com/office/drawing/2014/main" id="{2992E01A-82C1-FF45-BA68-EB20D17EE035}"/>
-                </a:ext>
-              </a:extLst>
-            </p:cNvPr>
-            <p:cNvSpPr txBox="1"/>
-            <p:nvPr/>
-          </p:nvSpPr>
-          <p:spPr>
-            <a:xfrm>
-              <a:off x="5489475" y="4982571"/>
-              <a:ext cx="1661878" cy="276999"/>
-            </a:xfrm>
-            <a:prstGeom prst="rect">
-              <a:avLst/>
-            </a:prstGeom>
-            <a:noFill/>
-          </p:spPr>
-          <p:txBody>
-            <a:bodyPr wrap="square" rtlCol="0">
-              <a:spAutoFit/>
-            </a:bodyPr>
-            <a:lstStyle/>
-            <a:p>
-              <a:r>
-                <a:rPr lang="en-US" sz="1200" b="1" dirty="0" smtClean="0">
-                  <a:solidFill>
-                    <a:schemeClr val="accent1"/>
-                  </a:solidFill>
-                </a:rPr>
-                <a:t>Test model component</a:t>
-              </a:r>
-              <a:endParaRPr lang="en-US" sz="1200" b="1" dirty="0">
-                <a:solidFill>
-                  <a:schemeClr val="accent1"/>
-                </a:solidFill>
-              </a:endParaRPr>
-            </a:p>
-          </p:txBody>
-        </p:sp>
-        <p:sp>
-          <p:nvSpPr>
-            <p:cNvPr id="144" name="TextBox 143">
-              <a:extLst>
-                <a:ext uri="{FF2B5EF4-FFF2-40B4-BE49-F238E27FC236}">
-                  <a16:creationId xmlns:a16="http://schemas.microsoft.com/office/drawing/2014/main" id="{2992E01A-82C1-FF45-BA68-EB20D17EE035}"/>
-                </a:ext>
-              </a:extLst>
-            </p:cNvPr>
-            <p:cNvSpPr txBox="1"/>
-            <p:nvPr/>
-          </p:nvSpPr>
-          <p:spPr>
-            <a:xfrm>
-              <a:off x="2280407" y="5535441"/>
-              <a:ext cx="1257719" cy="646331"/>
-            </a:xfrm>
-            <a:prstGeom prst="rect">
-              <a:avLst/>
-            </a:prstGeom>
-            <a:noFill/>
-          </p:spPr>
-          <p:txBody>
-            <a:bodyPr wrap="square" rtlCol="0">
-              <a:spAutoFit/>
-            </a:bodyPr>
-            <a:lstStyle/>
-            <a:p>
-              <a:r>
-                <a:rPr lang="en-US" sz="1200" b="1" dirty="0" smtClean="0">
-                  <a:solidFill>
-                    <a:schemeClr val="accent1"/>
-                  </a:solidFill>
-                </a:rPr>
-                <a:t>Publish to GitHub and </a:t>
-              </a:r>
-              <a:r>
-                <a:rPr lang="en-US" sz="1200" b="1" dirty="0" err="1" smtClean="0">
-                  <a:solidFill>
-                    <a:schemeClr val="accent1"/>
-                  </a:solidFill>
-                </a:rPr>
-                <a:t>DockerHub</a:t>
-              </a:r>
-              <a:endParaRPr lang="en-US" sz="1200" b="1" dirty="0">
-                <a:solidFill>
-                  <a:schemeClr val="accent1"/>
-                </a:solidFill>
-              </a:endParaRPr>
-            </a:p>
-          </p:txBody>
-        </p:sp>
         <p:cxnSp>
           <p:nvCxnSpPr>
             <p:cNvPr id="146" name="Straight Arrow Connector 145">
@@ -11122,15 +10787,15 @@
             </p:cNvPr>
             <p:cNvCxnSpPr>
               <a:cxnSpLocks/>
-              <a:stCxn id="142" idx="2"/>
+              <a:stCxn id="78" idx="2"/>
               <a:endCxn id="79" idx="0"/>
             </p:cNvCxnSpPr>
             <p:nvPr/>
           </p:nvCxnSpPr>
           <p:spPr>
             <a:xfrm flipH="1">
-              <a:off x="3854105" y="5259570"/>
-              <a:ext cx="2466309" cy="381503"/>
+              <a:off x="3854105" y="4969663"/>
+              <a:ext cx="2478934" cy="671410"/>
             </a:xfrm>
             <a:prstGeom prst="straightConnector1">
               <a:avLst/>
@@ -11216,6 +10881,98 @@
             <a:xfrm flipV="1">
               <a:off x="4180484" y="5779338"/>
               <a:ext cx="520421" cy="7244"/>
+            </a:xfrm>
+            <a:prstGeom prst="line">
+              <a:avLst/>
+            </a:prstGeom>
+            <a:ln w="19050">
+              <a:solidFill>
+                <a:schemeClr val="accent2"/>
+              </a:solidFill>
+              <a:prstDash val="sysDash"/>
+            </a:ln>
+          </p:spPr>
+          <p:style>
+            <a:lnRef idx="1">
+              <a:schemeClr val="accent1"/>
+            </a:lnRef>
+            <a:fillRef idx="0">
+              <a:schemeClr val="accent1"/>
+            </a:fillRef>
+            <a:effectRef idx="0">
+              <a:schemeClr val="accent1"/>
+            </a:effectRef>
+            <a:fontRef idx="minor">
+              <a:schemeClr val="tx1"/>
+            </a:fontRef>
+          </p:style>
+        </p:cxnSp>
+        <p:cxnSp>
+          <p:nvCxnSpPr>
+            <p:cNvPr id="89" name="Straight Connector 88">
+              <a:extLst>
+                <a:ext uri="{FF2B5EF4-FFF2-40B4-BE49-F238E27FC236}">
+                  <a16:creationId xmlns:a16="http://schemas.microsoft.com/office/drawing/2014/main" id="{5185CABD-F5A5-3545-AF6C-8A5A4315BF24}"/>
+                </a:ext>
+              </a:extLst>
+            </p:cNvPr>
+            <p:cNvCxnSpPr>
+              <a:cxnSpLocks/>
+              <a:stCxn id="86" idx="2"/>
+              <a:endCxn id="100" idx="0"/>
+            </p:cNvCxnSpPr>
+            <p:nvPr/>
+          </p:nvCxnSpPr>
+          <p:spPr>
+            <a:xfrm>
+              <a:off x="1029632" y="3319664"/>
+              <a:ext cx="112889" cy="147706"/>
+            </a:xfrm>
+            <a:prstGeom prst="line">
+              <a:avLst/>
+            </a:prstGeom>
+            <a:ln w="19050">
+              <a:solidFill>
+                <a:schemeClr val="accent2"/>
+              </a:solidFill>
+              <a:prstDash val="sysDash"/>
+            </a:ln>
+          </p:spPr>
+          <p:style>
+            <a:lnRef idx="1">
+              <a:schemeClr val="accent1"/>
+            </a:lnRef>
+            <a:fillRef idx="0">
+              <a:schemeClr val="accent1"/>
+            </a:fillRef>
+            <a:effectRef idx="0">
+              <a:schemeClr val="accent1"/>
+            </a:effectRef>
+            <a:fontRef idx="minor">
+              <a:schemeClr val="tx1"/>
+            </a:fontRef>
+          </p:style>
+        </p:cxnSp>
+        <p:cxnSp>
+          <p:nvCxnSpPr>
+            <p:cNvPr id="102" name="Straight Connector 101">
+              <a:extLst>
+                <a:ext uri="{FF2B5EF4-FFF2-40B4-BE49-F238E27FC236}">
+                  <a16:creationId xmlns:a16="http://schemas.microsoft.com/office/drawing/2014/main" id="{5185CABD-F5A5-3545-AF6C-8A5A4315BF24}"/>
+                </a:ext>
+              </a:extLst>
+            </p:cNvPr>
+            <p:cNvCxnSpPr>
+              <a:cxnSpLocks/>
+              <a:stCxn id="88" idx="2"/>
+              <a:endCxn id="68" idx="3"/>
+            </p:cNvCxnSpPr>
+            <p:nvPr/>
+          </p:nvCxnSpPr>
+          <p:spPr>
+            <a:xfrm flipH="1">
+              <a:off x="1383825" y="1671342"/>
+              <a:ext cx="638097" cy="193237"/>
             </a:xfrm>
             <a:prstGeom prst="line">
               <a:avLst/>

--- a/docs/model_configuration/figures/MIC-Figure-v1.pptx
+++ b/docs/model_configuration/figures/MIC-Figure-v1.pptx
@@ -244,7 +244,7 @@
           <a:p>
             <a:fld id="{32597AF5-6CE4-3941-A032-0EACD02B8420}" type="datetimeFigureOut">
               <a:rPr lang="en-US" smtClean="0"/>
-              <a:t>6/3/2020</a:t>
+              <a:t>6/5/2020</a:t>
             </a:fld>
             <a:endParaRPr lang="en-US"/>
           </a:p>
@@ -414,7 +414,7 @@
           <a:p>
             <a:fld id="{32597AF5-6CE4-3941-A032-0EACD02B8420}" type="datetimeFigureOut">
               <a:rPr lang="en-US" smtClean="0"/>
-              <a:t>6/3/2020</a:t>
+              <a:t>6/5/2020</a:t>
             </a:fld>
             <a:endParaRPr lang="en-US"/>
           </a:p>
@@ -594,7 +594,7 @@
           <a:p>
             <a:fld id="{32597AF5-6CE4-3941-A032-0EACD02B8420}" type="datetimeFigureOut">
               <a:rPr lang="en-US" smtClean="0"/>
-              <a:t>6/3/2020</a:t>
+              <a:t>6/5/2020</a:t>
             </a:fld>
             <a:endParaRPr lang="en-US"/>
           </a:p>
@@ -764,7 +764,7 @@
           <a:p>
             <a:fld id="{32597AF5-6CE4-3941-A032-0EACD02B8420}" type="datetimeFigureOut">
               <a:rPr lang="en-US" smtClean="0"/>
-              <a:t>6/3/2020</a:t>
+              <a:t>6/5/2020</a:t>
             </a:fld>
             <a:endParaRPr lang="en-US"/>
           </a:p>
@@ -1008,7 +1008,7 @@
           <a:p>
             <a:fld id="{32597AF5-6CE4-3941-A032-0EACD02B8420}" type="datetimeFigureOut">
               <a:rPr lang="en-US" smtClean="0"/>
-              <a:t>6/3/2020</a:t>
+              <a:t>6/5/2020</a:t>
             </a:fld>
             <a:endParaRPr lang="en-US"/>
           </a:p>
@@ -1240,7 +1240,7 @@
           <a:p>
             <a:fld id="{32597AF5-6CE4-3941-A032-0EACD02B8420}" type="datetimeFigureOut">
               <a:rPr lang="en-US" smtClean="0"/>
-              <a:t>6/3/2020</a:t>
+              <a:t>6/5/2020</a:t>
             </a:fld>
             <a:endParaRPr lang="en-US"/>
           </a:p>
@@ -1607,7 +1607,7 @@
           <a:p>
             <a:fld id="{32597AF5-6CE4-3941-A032-0EACD02B8420}" type="datetimeFigureOut">
               <a:rPr lang="en-US" smtClean="0"/>
-              <a:t>6/3/2020</a:t>
+              <a:t>6/5/2020</a:t>
             </a:fld>
             <a:endParaRPr lang="en-US"/>
           </a:p>
@@ -1725,7 +1725,7 @@
           <a:p>
             <a:fld id="{32597AF5-6CE4-3941-A032-0EACD02B8420}" type="datetimeFigureOut">
               <a:rPr lang="en-US" smtClean="0"/>
-              <a:t>6/3/2020</a:t>
+              <a:t>6/5/2020</a:t>
             </a:fld>
             <a:endParaRPr lang="en-US"/>
           </a:p>
@@ -1820,7 +1820,7 @@
           <a:p>
             <a:fld id="{32597AF5-6CE4-3941-A032-0EACD02B8420}" type="datetimeFigureOut">
               <a:rPr lang="en-US" smtClean="0"/>
-              <a:t>6/3/2020</a:t>
+              <a:t>6/5/2020</a:t>
             </a:fld>
             <a:endParaRPr lang="en-US"/>
           </a:p>
@@ -2097,7 +2097,7 @@
           <a:p>
             <a:fld id="{32597AF5-6CE4-3941-A032-0EACD02B8420}" type="datetimeFigureOut">
               <a:rPr lang="en-US" smtClean="0"/>
-              <a:t>6/3/2020</a:t>
+              <a:t>6/5/2020</a:t>
             </a:fld>
             <a:endParaRPr lang="en-US"/>
           </a:p>
@@ -2354,7 +2354,7 @@
           <a:p>
             <a:fld id="{32597AF5-6CE4-3941-A032-0EACD02B8420}" type="datetimeFigureOut">
               <a:rPr lang="en-US" smtClean="0"/>
-              <a:t>6/3/2020</a:t>
+              <a:t>6/5/2020</a:t>
             </a:fld>
             <a:endParaRPr lang="en-US"/>
           </a:p>
@@ -2567,7 +2567,7 @@
           <a:p>
             <a:fld id="{32597AF5-6CE4-3941-A032-0EACD02B8420}" type="datetimeFigureOut">
               <a:rPr lang="en-US" smtClean="0"/>
-              <a:t>6/3/2020</a:t>
+              <a:t>6/5/2020</a:t>
             </a:fld>
             <a:endParaRPr lang="en-US"/>
           </a:p>
@@ -7127,294 +7127,294 @@
           <a:chExt cx="0" cy="0"/>
         </a:xfrm>
       </p:grpSpPr>
-      <p:sp>
-        <p:nvSpPr>
-          <p:cNvPr id="145" name="TextBox 144">
-            <a:extLst>
-              <a:ext uri="{FF2B5EF4-FFF2-40B4-BE49-F238E27FC236}">
-                <a16:creationId xmlns:a16="http://schemas.microsoft.com/office/drawing/2014/main" id="{E8050F51-9CE8-9B4D-9A09-107E902DAB02}"/>
-              </a:ext>
-            </a:extLst>
-          </p:cNvPr>
-          <p:cNvSpPr txBox="1"/>
-          <p:nvPr/>
-        </p:nvSpPr>
-        <p:spPr>
-          <a:xfrm>
-            <a:off x="1498919" y="9061017"/>
-            <a:ext cx="2101857" cy="230832"/>
-          </a:xfrm>
-          <a:prstGeom prst="rect">
-            <a:avLst/>
-          </a:prstGeom>
-          <a:noFill/>
-        </p:spPr>
-        <p:txBody>
-          <a:bodyPr wrap="none" rtlCol="0">
-            <a:spAutoFit/>
-          </a:bodyPr>
-          <a:lstStyle/>
-          <a:p>
-            <a:r>
-              <a:rPr lang="en-US" sz="900" i="1" dirty="0">
-                <a:solidFill>
-                  <a:schemeClr val="accent6"/>
-                </a:solidFill>
-              </a:rPr>
-              <a:t>Green italics indicate user-provided input</a:t>
-            </a:r>
-          </a:p>
-        </p:txBody>
-      </p:sp>
-      <p:sp>
-        <p:nvSpPr>
-          <p:cNvPr id="147" name="TextBox 146">
-            <a:extLst>
-              <a:ext uri="{FF2B5EF4-FFF2-40B4-BE49-F238E27FC236}">
-                <a16:creationId xmlns:a16="http://schemas.microsoft.com/office/drawing/2014/main" id="{A5C1D569-AE1B-CC4D-BEC8-B4C2CE034231}"/>
-              </a:ext>
-            </a:extLst>
-          </p:cNvPr>
-          <p:cNvSpPr txBox="1"/>
-          <p:nvPr/>
-        </p:nvSpPr>
-        <p:spPr>
-          <a:xfrm>
-            <a:off x="1483156" y="8914086"/>
-            <a:ext cx="4482317" cy="230832"/>
-          </a:xfrm>
-          <a:prstGeom prst="rect">
-            <a:avLst/>
-          </a:prstGeom>
-          <a:noFill/>
-        </p:spPr>
-        <p:txBody>
-          <a:bodyPr wrap="none" rtlCol="0">
-            <a:spAutoFit/>
-          </a:bodyPr>
-          <a:lstStyle/>
-          <a:p>
-            <a:r>
-              <a:rPr lang="en-US" sz="900" b="1" dirty="0">
-                <a:solidFill>
-                  <a:schemeClr val="accent1"/>
-                </a:solidFill>
-              </a:rPr>
-              <a:t>Blue boldface highlights important concepts in component-based software encapsulation</a:t>
-            </a:r>
-          </a:p>
-        </p:txBody>
-      </p:sp>
-      <p:sp>
-        <p:nvSpPr>
-          <p:cNvPr id="148" name="Rectangle 147">
-            <a:extLst>
-              <a:ext uri="{FF2B5EF4-FFF2-40B4-BE49-F238E27FC236}">
-                <a16:creationId xmlns:a16="http://schemas.microsoft.com/office/drawing/2014/main" id="{63E0E312-4A07-EE43-A7D8-793B4F115108}"/>
-              </a:ext>
-            </a:extLst>
-          </p:cNvPr>
-          <p:cNvSpPr/>
-          <p:nvPr/>
-        </p:nvSpPr>
-        <p:spPr>
-          <a:xfrm>
-            <a:off x="1601204" y="9327278"/>
-            <a:ext cx="771403" cy="227326"/>
-          </a:xfrm>
-          <a:prstGeom prst="rect">
-            <a:avLst/>
-          </a:prstGeom>
-          <a:solidFill>
-            <a:schemeClr val="accent2"/>
-          </a:solidFill>
-          <a:ln>
-            <a:solidFill>
-              <a:schemeClr val="accent2">
-                <a:lumMod val="50000"/>
-              </a:schemeClr>
-            </a:solidFill>
-          </a:ln>
-        </p:spPr>
-        <p:style>
-          <a:lnRef idx="2">
-            <a:schemeClr val="accent1">
-              <a:shade val="50000"/>
-            </a:schemeClr>
-          </a:lnRef>
-          <a:fillRef idx="1">
-            <a:schemeClr val="accent1"/>
-          </a:fillRef>
-          <a:effectRef idx="0">
-            <a:schemeClr val="accent1"/>
-          </a:effectRef>
-          <a:fontRef idx="minor">
-            <a:schemeClr val="lt1"/>
-          </a:fontRef>
-        </p:style>
-        <p:txBody>
-          <a:bodyPr rtlCol="0" anchor="ctr"/>
-          <a:lstStyle/>
-          <a:p>
-            <a:pPr algn="ctr"/>
-            <a:r>
-              <a:rPr lang="en-US" sz="1100" b="1" dirty="0"/>
-              <a:t>MIC STEP</a:t>
-            </a:r>
-          </a:p>
-        </p:txBody>
-      </p:sp>
-      <p:sp>
-        <p:nvSpPr>
-          <p:cNvPr id="149" name="TextBox 148">
-            <a:extLst>
-              <a:ext uri="{FF2B5EF4-FFF2-40B4-BE49-F238E27FC236}">
-                <a16:creationId xmlns:a16="http://schemas.microsoft.com/office/drawing/2014/main" id="{CFD412A9-10FD-3949-83D7-8753B1B22076}"/>
-              </a:ext>
-            </a:extLst>
-          </p:cNvPr>
-          <p:cNvSpPr txBox="1"/>
-          <p:nvPr/>
-        </p:nvSpPr>
-        <p:spPr>
-          <a:xfrm>
-            <a:off x="2378702" y="9259683"/>
-            <a:ext cx="3557543" cy="369332"/>
-          </a:xfrm>
-          <a:prstGeom prst="rect">
-            <a:avLst/>
-          </a:prstGeom>
-          <a:noFill/>
-        </p:spPr>
-        <p:txBody>
-          <a:bodyPr wrap="square" rtlCol="0">
-            <a:spAutoFit/>
-          </a:bodyPr>
-          <a:lstStyle/>
-          <a:p>
-            <a:r>
-              <a:rPr lang="en-US" sz="900" dirty="0">
-                <a:solidFill>
-                  <a:schemeClr val="accent2"/>
-                </a:solidFill>
-              </a:rPr>
-              <a:t>MIC assists users through 8 steps, creating file templates, directory structures, publishing code, and validating the new model component </a:t>
-            </a:r>
-          </a:p>
-        </p:txBody>
-      </p:sp>
-      <p:sp>
-        <p:nvSpPr>
-          <p:cNvPr id="150" name="TextBox 149">
-            <a:extLst>
-              <a:ext uri="{FF2B5EF4-FFF2-40B4-BE49-F238E27FC236}">
-                <a16:creationId xmlns:a16="http://schemas.microsoft.com/office/drawing/2014/main" id="{E33B454A-46C6-DD41-9DDF-0CA431FC16C3}"/>
-              </a:ext>
-            </a:extLst>
-          </p:cNvPr>
-          <p:cNvSpPr txBox="1"/>
-          <p:nvPr/>
-        </p:nvSpPr>
-        <p:spPr>
-          <a:xfrm>
-            <a:off x="1489792" y="8743631"/>
-            <a:ext cx="591829" cy="230832"/>
-          </a:xfrm>
-          <a:prstGeom prst="rect">
-            <a:avLst/>
-          </a:prstGeom>
-          <a:noFill/>
-        </p:spPr>
-        <p:txBody>
-          <a:bodyPr wrap="none" rtlCol="0">
-            <a:spAutoFit/>
-          </a:bodyPr>
-          <a:lstStyle/>
-          <a:p>
-            <a:r>
-              <a:rPr lang="en-US" sz="900" dirty="0">
-                <a:solidFill>
-                  <a:schemeClr val="bg1">
-                    <a:lumMod val="50000"/>
-                  </a:schemeClr>
-                </a:solidFill>
-              </a:rPr>
-              <a:t>LEGEND:</a:t>
-            </a:r>
-          </a:p>
-        </p:txBody>
-      </p:sp>
-      <p:sp>
-        <p:nvSpPr>
-          <p:cNvPr id="143" name="Rectangle 142">
-            <a:extLst>
-              <a:ext uri="{FF2B5EF4-FFF2-40B4-BE49-F238E27FC236}">
-                <a16:creationId xmlns:a16="http://schemas.microsoft.com/office/drawing/2014/main" id="{672C3F2E-CF5E-AE43-9D02-8A832EEE392E}"/>
-              </a:ext>
-            </a:extLst>
-          </p:cNvPr>
-          <p:cNvSpPr/>
-          <p:nvPr/>
-        </p:nvSpPr>
-        <p:spPr>
-          <a:xfrm>
-            <a:off x="1483156" y="8743631"/>
-            <a:ext cx="4499981" cy="885384"/>
-          </a:xfrm>
-          <a:prstGeom prst="rect">
-            <a:avLst/>
-          </a:prstGeom>
-          <a:noFill/>
-          <a:ln>
-            <a:solidFill>
-              <a:schemeClr val="accent1">
-                <a:lumMod val="60000"/>
-                <a:lumOff val="40000"/>
-              </a:schemeClr>
-            </a:solidFill>
-          </a:ln>
-        </p:spPr>
-        <p:style>
-          <a:lnRef idx="2">
-            <a:schemeClr val="accent1">
-              <a:shade val="50000"/>
-            </a:schemeClr>
-          </a:lnRef>
-          <a:fillRef idx="1">
-            <a:schemeClr val="accent1"/>
-          </a:fillRef>
-          <a:effectRef idx="0">
-            <a:schemeClr val="accent1"/>
-          </a:effectRef>
-          <a:fontRef idx="minor">
-            <a:schemeClr val="lt1"/>
-          </a:fontRef>
-        </p:style>
-        <p:txBody>
-          <a:bodyPr rtlCol="0" anchor="ctr"/>
-          <a:lstStyle/>
-          <a:p>
-            <a:pPr algn="ctr"/>
-            <a:endParaRPr lang="en-US"/>
-          </a:p>
-        </p:txBody>
-      </p:sp>
       <p:grpSp>
         <p:nvGrpSpPr>
-          <p:cNvPr id="40" name="Group 39"/>
+          <p:cNvPr id="32" name="Group 31"/>
           <p:cNvGrpSpPr/>
           <p:nvPr/>
         </p:nvGrpSpPr>
         <p:grpSpPr>
           <a:xfrm>
-            <a:off x="570149" y="402102"/>
-            <a:ext cx="6632104" cy="6610049"/>
-            <a:chOff x="570149" y="402102"/>
-            <a:chExt cx="6632104" cy="6610049"/>
+            <a:off x="526116" y="402102"/>
+            <a:ext cx="6676137" cy="9226913"/>
+            <a:chOff x="526116" y="402102"/>
+            <a:chExt cx="6676137" cy="9226913"/>
           </a:xfrm>
         </p:grpSpPr>
         <p:sp>
           <p:nvSpPr>
+            <p:cNvPr id="145" name="TextBox 144">
+              <a:extLst>
+                <a:ext uri="{FF2B5EF4-FFF2-40B4-BE49-F238E27FC236}">
+                  <a16:creationId xmlns:a16="http://schemas.microsoft.com/office/drawing/2014/main" id="{E8050F51-9CE8-9B4D-9A09-107E902DAB02}"/>
+                </a:ext>
+              </a:extLst>
+            </p:cNvPr>
+            <p:cNvSpPr txBox="1"/>
+            <p:nvPr/>
+          </p:nvSpPr>
+          <p:spPr>
+            <a:xfrm>
+              <a:off x="1498919" y="9061017"/>
+              <a:ext cx="2101857" cy="230832"/>
+            </a:xfrm>
+            <a:prstGeom prst="rect">
+              <a:avLst/>
+            </a:prstGeom>
+            <a:noFill/>
+          </p:spPr>
+          <p:txBody>
+            <a:bodyPr wrap="none" rtlCol="0">
+              <a:spAutoFit/>
+            </a:bodyPr>
+            <a:lstStyle/>
+            <a:p>
+              <a:r>
+                <a:rPr lang="en-US" sz="900" i="1" dirty="0">
+                  <a:solidFill>
+                    <a:schemeClr val="accent6"/>
+                  </a:solidFill>
+                </a:rPr>
+                <a:t>Green italics indicate user-provided input</a:t>
+              </a:r>
+            </a:p>
+          </p:txBody>
+        </p:sp>
+        <p:sp>
+          <p:nvSpPr>
+            <p:cNvPr id="147" name="TextBox 146">
+              <a:extLst>
+                <a:ext uri="{FF2B5EF4-FFF2-40B4-BE49-F238E27FC236}">
+                  <a16:creationId xmlns:a16="http://schemas.microsoft.com/office/drawing/2014/main" id="{A5C1D569-AE1B-CC4D-BEC8-B4C2CE034231}"/>
+                </a:ext>
+              </a:extLst>
+            </p:cNvPr>
+            <p:cNvSpPr txBox="1"/>
+            <p:nvPr/>
+          </p:nvSpPr>
+          <p:spPr>
+            <a:xfrm>
+              <a:off x="1483156" y="8914086"/>
+              <a:ext cx="4482317" cy="230832"/>
+            </a:xfrm>
+            <a:prstGeom prst="rect">
+              <a:avLst/>
+            </a:prstGeom>
+            <a:noFill/>
+          </p:spPr>
+          <p:txBody>
+            <a:bodyPr wrap="none" rtlCol="0">
+              <a:spAutoFit/>
+            </a:bodyPr>
+            <a:lstStyle/>
+            <a:p>
+              <a:r>
+                <a:rPr lang="en-US" sz="900" b="1" dirty="0">
+                  <a:solidFill>
+                    <a:schemeClr val="accent1"/>
+                  </a:solidFill>
+                </a:rPr>
+                <a:t>Blue boldface highlights important concepts in component-based software encapsulation</a:t>
+              </a:r>
+            </a:p>
+          </p:txBody>
+        </p:sp>
+        <p:sp>
+          <p:nvSpPr>
+            <p:cNvPr id="148" name="Rectangle 147">
+              <a:extLst>
+                <a:ext uri="{FF2B5EF4-FFF2-40B4-BE49-F238E27FC236}">
+                  <a16:creationId xmlns:a16="http://schemas.microsoft.com/office/drawing/2014/main" id="{63E0E312-4A07-EE43-A7D8-793B4F115108}"/>
+                </a:ext>
+              </a:extLst>
+            </p:cNvPr>
+            <p:cNvSpPr/>
+            <p:nvPr/>
+          </p:nvSpPr>
+          <p:spPr>
+            <a:xfrm>
+              <a:off x="1601204" y="9327278"/>
+              <a:ext cx="771403" cy="227326"/>
+            </a:xfrm>
+            <a:prstGeom prst="rect">
+              <a:avLst/>
+            </a:prstGeom>
+            <a:solidFill>
+              <a:schemeClr val="accent2"/>
+            </a:solidFill>
+            <a:ln>
+              <a:solidFill>
+                <a:schemeClr val="accent2">
+                  <a:lumMod val="50000"/>
+                </a:schemeClr>
+              </a:solidFill>
+            </a:ln>
+          </p:spPr>
+          <p:style>
+            <a:lnRef idx="2">
+              <a:schemeClr val="accent1">
+                <a:shade val="50000"/>
+              </a:schemeClr>
+            </a:lnRef>
+            <a:fillRef idx="1">
+              <a:schemeClr val="accent1"/>
+            </a:fillRef>
+            <a:effectRef idx="0">
+              <a:schemeClr val="accent1"/>
+            </a:effectRef>
+            <a:fontRef idx="minor">
+              <a:schemeClr val="lt1"/>
+            </a:fontRef>
+          </p:style>
+          <p:txBody>
+            <a:bodyPr rtlCol="0" anchor="ctr"/>
+            <a:lstStyle/>
+            <a:p>
+              <a:pPr algn="ctr"/>
+              <a:r>
+                <a:rPr lang="en-US" sz="1100" b="1" dirty="0"/>
+                <a:t>MIC STEP</a:t>
+              </a:r>
+            </a:p>
+          </p:txBody>
+        </p:sp>
+        <p:sp>
+          <p:nvSpPr>
+            <p:cNvPr id="149" name="TextBox 148">
+              <a:extLst>
+                <a:ext uri="{FF2B5EF4-FFF2-40B4-BE49-F238E27FC236}">
+                  <a16:creationId xmlns:a16="http://schemas.microsoft.com/office/drawing/2014/main" id="{CFD412A9-10FD-3949-83D7-8753B1B22076}"/>
+                </a:ext>
+              </a:extLst>
+            </p:cNvPr>
+            <p:cNvSpPr txBox="1"/>
+            <p:nvPr/>
+          </p:nvSpPr>
+          <p:spPr>
+            <a:xfrm>
+              <a:off x="2378702" y="9259683"/>
+              <a:ext cx="3557543" cy="369332"/>
+            </a:xfrm>
+            <a:prstGeom prst="rect">
+              <a:avLst/>
+            </a:prstGeom>
+            <a:noFill/>
+          </p:spPr>
+          <p:txBody>
+            <a:bodyPr wrap="square" rtlCol="0">
+              <a:spAutoFit/>
+            </a:bodyPr>
+            <a:lstStyle/>
+            <a:p>
+              <a:r>
+                <a:rPr lang="en-US" sz="900" dirty="0">
+                  <a:solidFill>
+                    <a:schemeClr val="accent2"/>
+                  </a:solidFill>
+                </a:rPr>
+                <a:t>MIC assists users through 8 steps, creating file templates, directory structures, publishing code, and validating the new model component </a:t>
+              </a:r>
+            </a:p>
+          </p:txBody>
+        </p:sp>
+        <p:sp>
+          <p:nvSpPr>
+            <p:cNvPr id="150" name="TextBox 149">
+              <a:extLst>
+                <a:ext uri="{FF2B5EF4-FFF2-40B4-BE49-F238E27FC236}">
+                  <a16:creationId xmlns:a16="http://schemas.microsoft.com/office/drawing/2014/main" id="{E33B454A-46C6-DD41-9DDF-0CA431FC16C3}"/>
+                </a:ext>
+              </a:extLst>
+            </p:cNvPr>
+            <p:cNvSpPr txBox="1"/>
+            <p:nvPr/>
+          </p:nvSpPr>
+          <p:spPr>
+            <a:xfrm>
+              <a:off x="1489792" y="8743631"/>
+              <a:ext cx="591829" cy="230832"/>
+            </a:xfrm>
+            <a:prstGeom prst="rect">
+              <a:avLst/>
+            </a:prstGeom>
+            <a:noFill/>
+          </p:spPr>
+          <p:txBody>
+            <a:bodyPr wrap="none" rtlCol="0">
+              <a:spAutoFit/>
+            </a:bodyPr>
+            <a:lstStyle/>
+            <a:p>
+              <a:r>
+                <a:rPr lang="en-US" sz="900" dirty="0">
+                  <a:solidFill>
+                    <a:schemeClr val="bg1">
+                      <a:lumMod val="50000"/>
+                    </a:schemeClr>
+                  </a:solidFill>
+                </a:rPr>
+                <a:t>LEGEND:</a:t>
+              </a:r>
+            </a:p>
+          </p:txBody>
+        </p:sp>
+        <p:sp>
+          <p:nvSpPr>
+            <p:cNvPr id="143" name="Rectangle 142">
+              <a:extLst>
+                <a:ext uri="{FF2B5EF4-FFF2-40B4-BE49-F238E27FC236}">
+                  <a16:creationId xmlns:a16="http://schemas.microsoft.com/office/drawing/2014/main" id="{672C3F2E-CF5E-AE43-9D02-8A832EEE392E}"/>
+                </a:ext>
+              </a:extLst>
+            </p:cNvPr>
+            <p:cNvSpPr/>
+            <p:nvPr/>
+          </p:nvSpPr>
+          <p:spPr>
+            <a:xfrm>
+              <a:off x="1483156" y="8743631"/>
+              <a:ext cx="4499981" cy="885384"/>
+            </a:xfrm>
+            <a:prstGeom prst="rect">
+              <a:avLst/>
+            </a:prstGeom>
+            <a:noFill/>
+            <a:ln>
+              <a:solidFill>
+                <a:schemeClr val="accent1">
+                  <a:lumMod val="60000"/>
+                  <a:lumOff val="40000"/>
+                </a:schemeClr>
+              </a:solidFill>
+            </a:ln>
+          </p:spPr>
+          <p:style>
+            <a:lnRef idx="2">
+              <a:schemeClr val="accent1">
+                <a:shade val="50000"/>
+              </a:schemeClr>
+            </a:lnRef>
+            <a:fillRef idx="1">
+              <a:schemeClr val="accent1"/>
+            </a:fillRef>
+            <a:effectRef idx="0">
+              <a:schemeClr val="accent1"/>
+            </a:effectRef>
+            <a:fontRef idx="minor">
+              <a:schemeClr val="lt1"/>
+            </a:fontRef>
+          </p:style>
+          <p:txBody>
+            <a:bodyPr rtlCol="0" anchor="ctr"/>
+            <a:lstStyle/>
+            <a:p>
+              <a:pPr algn="ctr"/>
+              <a:endParaRPr lang="en-US"/>
+            </a:p>
+          </p:txBody>
+        </p:sp>
+        <p:sp>
+          <p:nvSpPr>
             <p:cNvPr id="45" name="Rounded Rectangle 44">
               <a:extLst>
                 <a:ext uri="{FF2B5EF4-FFF2-40B4-BE49-F238E27FC236}">
@@ -7427,8 +7427,8 @@
           </p:nvSpPr>
           <p:spPr>
             <a:xfrm>
-              <a:off x="610412" y="3411156"/>
-              <a:ext cx="2452185" cy="1455579"/>
+              <a:off x="610413" y="3411156"/>
+              <a:ext cx="2369478" cy="1455579"/>
             </a:xfrm>
             <a:prstGeom prst="roundRect">
               <a:avLst>
@@ -7559,15 +7559,7 @@
                     <a:schemeClr val="accent1"/>
                   </a:solidFill>
                 </a:rPr>
-                <a:t>Component inputs </a:t>
-              </a:r>
-              <a:r>
-                <a:rPr lang="en-US" sz="1200" b="1" dirty="0" smtClean="0">
-                  <a:solidFill>
-                    <a:schemeClr val="accent1"/>
-                  </a:solidFill>
-                </a:rPr>
-                <a:t>and parameters</a:t>
+                <a:t>Component inputs and parameters</a:t>
               </a:r>
               <a:endParaRPr lang="en-US" sz="1200" b="1" dirty="0">
                 <a:solidFill>
@@ -8999,7 +8991,7 @@
           </p:nvSpPr>
           <p:spPr>
             <a:xfrm>
-              <a:off x="610413" y="4923992"/>
+              <a:off x="703251" y="4954912"/>
               <a:ext cx="652759" cy="291017"/>
             </a:xfrm>
             <a:prstGeom prst="rect">
@@ -9429,50 +9421,6 @@
             </a:fontRef>
           </p:style>
         </p:cxnSp>
-        <p:sp>
-          <p:nvSpPr>
-            <p:cNvPr id="100" name="TextBox 99">
-              <a:extLst>
-                <a:ext uri="{FF2B5EF4-FFF2-40B4-BE49-F238E27FC236}">
-                  <a16:creationId xmlns:a16="http://schemas.microsoft.com/office/drawing/2014/main" id="{DC7DC0A6-33A8-9A4E-AC8D-0EF1DF0BAD0D}"/>
-                </a:ext>
-              </a:extLst>
-            </p:cNvPr>
-            <p:cNvSpPr txBox="1"/>
-            <p:nvPr/>
-          </p:nvSpPr>
-          <p:spPr>
-            <a:xfrm>
-              <a:off x="604553" y="3467370"/>
-              <a:ext cx="1075936" cy="246221"/>
-            </a:xfrm>
-            <a:prstGeom prst="rect">
-              <a:avLst/>
-            </a:prstGeom>
-            <a:noFill/>
-          </p:spPr>
-          <p:txBody>
-            <a:bodyPr wrap="none" rtlCol="0">
-              <a:spAutoFit/>
-            </a:bodyPr>
-            <a:lstStyle/>
-            <a:p>
-              <a:r>
-                <a:rPr lang="en-US" sz="1000" dirty="0" smtClean="0"/>
-                <a:t>/</a:t>
-              </a:r>
-              <a:r>
-                <a:rPr lang="en-US" sz="1000" dirty="0" err="1" smtClean="0"/>
-                <a:t>src</a:t>
-              </a:r>
-              <a:r>
-                <a:rPr lang="en-US" sz="1000" dirty="0" smtClean="0"/>
-                <a:t>/HydroM.exe</a:t>
-              </a:r>
-              <a:endParaRPr lang="en-US" sz="1000" dirty="0"/>
-            </a:p>
-          </p:txBody>
-        </p:sp>
         <p:sp>
           <p:nvSpPr>
             <p:cNvPr id="101" name="Folded Corner 100">
@@ -9748,8 +9696,8 @@
           </p:nvCxnSpPr>
           <p:spPr>
             <a:xfrm>
-              <a:off x="936793" y="4537003"/>
-              <a:ext cx="0" cy="386989"/>
+              <a:off x="745672" y="4678646"/>
+              <a:ext cx="283959" cy="276266"/>
             </a:xfrm>
             <a:prstGeom prst="line">
               <a:avLst/>
@@ -10416,10 +10364,50 @@
         </p:sp>
         <p:sp>
           <p:nvSpPr>
-            <p:cNvPr id="119" name="Folded Corner 118">
-              <a:extLst>
-                <a:ext uri="{FF2B5EF4-FFF2-40B4-BE49-F238E27FC236}">
-                  <a16:creationId xmlns:a16="http://schemas.microsoft.com/office/drawing/2014/main" id="{27EBC30B-8761-7F45-8523-15F8F3AE6587}"/>
+            <p:cNvPr id="123" name="TextBox 122">
+              <a:extLst>
+                <a:ext uri="{FF2B5EF4-FFF2-40B4-BE49-F238E27FC236}">
+                  <a16:creationId xmlns:a16="http://schemas.microsoft.com/office/drawing/2014/main" id="{C958EDA6-773B-6248-B835-FB048EE728FA}"/>
+                </a:ext>
+              </a:extLst>
+            </p:cNvPr>
+            <p:cNvSpPr txBox="1"/>
+            <p:nvPr/>
+          </p:nvSpPr>
+          <p:spPr>
+            <a:xfrm>
+              <a:off x="654781" y="3461534"/>
+              <a:ext cx="678391" cy="246221"/>
+            </a:xfrm>
+            <a:prstGeom prst="rect">
+              <a:avLst/>
+            </a:prstGeom>
+            <a:noFill/>
+          </p:spPr>
+          <p:txBody>
+            <a:bodyPr wrap="none" rtlCol="0">
+              <a:spAutoFit/>
+            </a:bodyPr>
+            <a:lstStyle/>
+            <a:p>
+              <a:r>
+                <a:rPr lang="en-US" sz="1000" dirty="0"/>
+                <a:t>/</a:t>
+              </a:r>
+              <a:r>
+                <a:rPr lang="en-US" sz="1000" dirty="0" smtClean="0"/>
+                <a:t>src/io.sh</a:t>
+              </a:r>
+              <a:endParaRPr lang="en-US" sz="1000" dirty="0"/>
+            </a:p>
+          </p:txBody>
+        </p:sp>
+        <p:sp>
+          <p:nvSpPr>
+            <p:cNvPr id="125" name="Folded Corner 124">
+              <a:extLst>
+                <a:ext uri="{FF2B5EF4-FFF2-40B4-BE49-F238E27FC236}">
+                  <a16:creationId xmlns:a16="http://schemas.microsoft.com/office/drawing/2014/main" id="{5C1F2E0C-4C6E-5E4F-810E-F9921D3E9896}"/>
                 </a:ext>
               </a:extLst>
             </p:cNvPr>
@@ -10428,8 +10416,8 @@
           </p:nvSpPr>
           <p:spPr>
             <a:xfrm>
-              <a:off x="683817" y="3720994"/>
-              <a:ext cx="455778" cy="221601"/>
+              <a:off x="739353" y="3696473"/>
+              <a:ext cx="443782" cy="238500"/>
             </a:xfrm>
             <a:prstGeom prst="foldedCorner">
               <a:avLst>
@@ -10477,60 +10465,20 @@
         </p:sp>
         <p:sp>
           <p:nvSpPr>
-            <p:cNvPr id="123" name="TextBox 122">
-              <a:extLst>
-                <a:ext uri="{FF2B5EF4-FFF2-40B4-BE49-F238E27FC236}">
-                  <a16:creationId xmlns:a16="http://schemas.microsoft.com/office/drawing/2014/main" id="{C958EDA6-773B-6248-B835-FB048EE728FA}"/>
-                </a:ext>
-              </a:extLst>
-            </p:cNvPr>
-            <p:cNvSpPr txBox="1"/>
+            <p:cNvPr id="126" name="Folded Corner 125">
+              <a:extLst>
+                <a:ext uri="{FF2B5EF4-FFF2-40B4-BE49-F238E27FC236}">
+                  <a16:creationId xmlns:a16="http://schemas.microsoft.com/office/drawing/2014/main" id="{27EBC30B-8761-7F45-8523-15F8F3AE6587}"/>
+                </a:ext>
+              </a:extLst>
+            </p:cNvPr>
+            <p:cNvSpPr/>
             <p:nvPr/>
           </p:nvSpPr>
           <p:spPr>
             <a:xfrm>
-              <a:off x="1638224" y="3469156"/>
-              <a:ext cx="678391" cy="246221"/>
-            </a:xfrm>
-            <a:prstGeom prst="rect">
-              <a:avLst/>
-            </a:prstGeom>
-            <a:noFill/>
-          </p:spPr>
-          <p:txBody>
-            <a:bodyPr wrap="none" rtlCol="0">
-              <a:spAutoFit/>
-            </a:bodyPr>
-            <a:lstStyle/>
-            <a:p>
-              <a:r>
-                <a:rPr lang="en-US" sz="1000" dirty="0"/>
-                <a:t>/</a:t>
-              </a:r>
-              <a:r>
-                <a:rPr lang="en-US" sz="1000" dirty="0" smtClean="0"/>
-                <a:t>src/io.sh</a:t>
-              </a:r>
-              <a:endParaRPr lang="en-US" sz="1000" dirty="0"/>
-            </a:p>
-          </p:txBody>
-        </p:sp>
-        <p:sp>
-          <p:nvSpPr>
-            <p:cNvPr id="125" name="Folded Corner 124">
-              <a:extLst>
-                <a:ext uri="{FF2B5EF4-FFF2-40B4-BE49-F238E27FC236}">
-                  <a16:creationId xmlns:a16="http://schemas.microsoft.com/office/drawing/2014/main" id="{5C1F2E0C-4C6E-5E4F-810E-F9921D3E9896}"/>
-                </a:ext>
-              </a:extLst>
-            </p:cNvPr>
-            <p:cNvSpPr/>
-            <p:nvPr/>
-          </p:nvSpPr>
-          <p:spPr>
-            <a:xfrm>
-              <a:off x="1722796" y="3704095"/>
-              <a:ext cx="443782" cy="238500"/>
+              <a:off x="1410966" y="3675846"/>
+              <a:ext cx="455778" cy="245289"/>
             </a:xfrm>
             <a:prstGeom prst="foldedCorner">
               <a:avLst>
@@ -10578,7 +10526,396 @@
         </p:sp>
         <p:sp>
           <p:nvSpPr>
-            <p:cNvPr id="126" name="Folded Corner 125">
+            <p:cNvPr id="127" name="TextBox 126">
+              <a:extLst>
+                <a:ext uri="{FF2B5EF4-FFF2-40B4-BE49-F238E27FC236}">
+                  <a16:creationId xmlns:a16="http://schemas.microsoft.com/office/drawing/2014/main" id="{C958EDA6-773B-6248-B835-FB048EE728FA}"/>
+                </a:ext>
+              </a:extLst>
+            </p:cNvPr>
+            <p:cNvSpPr txBox="1"/>
+            <p:nvPr/>
+          </p:nvSpPr>
+          <p:spPr>
+            <a:xfrm>
+              <a:off x="1319889" y="3441839"/>
+              <a:ext cx="938077" cy="246221"/>
+            </a:xfrm>
+            <a:prstGeom prst="rect">
+              <a:avLst/>
+            </a:prstGeom>
+            <a:noFill/>
+          </p:spPr>
+          <p:txBody>
+            <a:bodyPr wrap="none" rtlCol="0">
+              <a:spAutoFit/>
+            </a:bodyPr>
+            <a:lstStyle/>
+            <a:p>
+              <a:r>
+                <a:rPr lang="en-US" sz="1000" dirty="0"/>
+                <a:t>/</a:t>
+              </a:r>
+              <a:r>
+                <a:rPr lang="en-US" sz="1000" dirty="0" smtClean="0"/>
+                <a:t>src/output.sh</a:t>
+              </a:r>
+              <a:endParaRPr lang="en-US" sz="1000" dirty="0"/>
+            </a:p>
+          </p:txBody>
+        </p:sp>
+        <p:sp>
+          <p:nvSpPr>
+            <p:cNvPr id="130" name="TextBox 129">
+              <a:extLst>
+                <a:ext uri="{FF2B5EF4-FFF2-40B4-BE49-F238E27FC236}">
+                  <a16:creationId xmlns:a16="http://schemas.microsoft.com/office/drawing/2014/main" id="{343D3DD3-69F2-3745-90A8-C9204B8C204B}"/>
+                </a:ext>
+              </a:extLst>
+            </p:cNvPr>
+            <p:cNvSpPr txBox="1"/>
+            <p:nvPr/>
+          </p:nvSpPr>
+          <p:spPr>
+            <a:xfrm>
+              <a:off x="1100509" y="3927552"/>
+              <a:ext cx="1283741" cy="276999"/>
+            </a:xfrm>
+            <a:prstGeom prst="rect">
+              <a:avLst/>
+            </a:prstGeom>
+            <a:noFill/>
+          </p:spPr>
+          <p:txBody>
+            <a:bodyPr wrap="square" rtlCol="0">
+              <a:spAutoFit/>
+            </a:bodyPr>
+            <a:lstStyle/>
+            <a:p>
+              <a:r>
+                <a:rPr lang="en-US" sz="1200" b="1" dirty="0" smtClean="0">
+                  <a:solidFill>
+                    <a:schemeClr val="accent1"/>
+                  </a:solidFill>
+                </a:rPr>
+                <a:t>(MIC Run File)</a:t>
+              </a:r>
+              <a:endParaRPr lang="en-US" sz="1200" b="1" dirty="0">
+                <a:solidFill>
+                  <a:schemeClr val="accent1"/>
+                </a:solidFill>
+              </a:endParaRPr>
+            </a:p>
+          </p:txBody>
+        </p:sp>
+        <p:cxnSp>
+          <p:nvCxnSpPr>
+            <p:cNvPr id="106" name="Elbow Connector 105"/>
+            <p:cNvCxnSpPr>
+              <a:stCxn id="45" idx="2"/>
+              <a:endCxn id="78" idx="1"/>
+            </p:cNvCxnSpPr>
+            <p:nvPr/>
+          </p:nvCxnSpPr>
+          <p:spPr>
+            <a:xfrm rot="5400000" flipH="1" flipV="1">
+              <a:off x="3879615" y="2739691"/>
+              <a:ext cx="42580" cy="4211507"/>
+            </a:xfrm>
+            <a:prstGeom prst="bentConnector4">
+              <a:avLst>
+                <a:gd name="adj1" fmla="val -697938"/>
+                <a:gd name="adj2" fmla="val 64065"/>
+              </a:avLst>
+            </a:prstGeom>
+            <a:ln>
+              <a:tailEnd type="triangle"/>
+            </a:ln>
+          </p:spPr>
+          <p:style>
+            <a:lnRef idx="1">
+              <a:schemeClr val="accent1"/>
+            </a:lnRef>
+            <a:fillRef idx="0">
+              <a:schemeClr val="accent1"/>
+            </a:fillRef>
+            <a:effectRef idx="0">
+              <a:schemeClr val="accent1"/>
+            </a:effectRef>
+            <a:fontRef idx="minor">
+              <a:schemeClr val="tx1"/>
+            </a:fontRef>
+          </p:style>
+        </p:cxnSp>
+        <p:cxnSp>
+          <p:nvCxnSpPr>
+            <p:cNvPr id="146" name="Straight Arrow Connector 145">
+              <a:extLst>
+                <a:ext uri="{FF2B5EF4-FFF2-40B4-BE49-F238E27FC236}">
+                  <a16:creationId xmlns:a16="http://schemas.microsoft.com/office/drawing/2014/main" id="{CDB4AC00-1575-DE49-B9B6-71868CE07A9E}"/>
+                </a:ext>
+              </a:extLst>
+            </p:cNvPr>
+            <p:cNvCxnSpPr>
+              <a:cxnSpLocks/>
+              <a:stCxn id="78" idx="2"/>
+              <a:endCxn id="79" idx="0"/>
+            </p:cNvCxnSpPr>
+            <p:nvPr/>
+          </p:nvCxnSpPr>
+          <p:spPr>
+            <a:xfrm flipH="1">
+              <a:off x="3854105" y="4969663"/>
+              <a:ext cx="2478934" cy="671410"/>
+            </a:xfrm>
+            <a:prstGeom prst="straightConnector1">
+              <a:avLst/>
+            </a:prstGeom>
+            <a:ln>
+              <a:tailEnd type="triangle"/>
+            </a:ln>
+          </p:spPr>
+          <p:style>
+            <a:lnRef idx="1">
+              <a:schemeClr val="accent1"/>
+            </a:lnRef>
+            <a:fillRef idx="0">
+              <a:schemeClr val="accent1"/>
+            </a:fillRef>
+            <a:effectRef idx="0">
+              <a:schemeClr val="accent1"/>
+            </a:effectRef>
+            <a:fontRef idx="minor">
+              <a:schemeClr val="tx1"/>
+            </a:fontRef>
+          </p:style>
+        </p:cxnSp>
+        <p:cxnSp>
+          <p:nvCxnSpPr>
+            <p:cNvPr id="154" name="Straight Arrow Connector 153">
+              <a:extLst>
+                <a:ext uri="{FF2B5EF4-FFF2-40B4-BE49-F238E27FC236}">
+                  <a16:creationId xmlns:a16="http://schemas.microsoft.com/office/drawing/2014/main" id="{CDB4AC00-1575-DE49-B9B6-71868CE07A9E}"/>
+                </a:ext>
+              </a:extLst>
+            </p:cNvPr>
+            <p:cNvCxnSpPr>
+              <a:cxnSpLocks/>
+              <a:endCxn id="79" idx="0"/>
+            </p:cNvCxnSpPr>
+            <p:nvPr/>
+          </p:nvCxnSpPr>
+          <p:spPr>
+            <a:xfrm>
+              <a:off x="1804060" y="5160837"/>
+              <a:ext cx="2050045" cy="480236"/>
+            </a:xfrm>
+            <a:prstGeom prst="straightConnector1">
+              <a:avLst/>
+            </a:prstGeom>
+            <a:ln>
+              <a:tailEnd type="triangle"/>
+            </a:ln>
+          </p:spPr>
+          <p:style>
+            <a:lnRef idx="1">
+              <a:schemeClr val="accent1"/>
+            </a:lnRef>
+            <a:fillRef idx="0">
+              <a:schemeClr val="accent1"/>
+            </a:fillRef>
+            <a:effectRef idx="0">
+              <a:schemeClr val="accent1"/>
+            </a:effectRef>
+            <a:fontRef idx="minor">
+              <a:schemeClr val="tx1"/>
+            </a:fontRef>
+          </p:style>
+        </p:cxnSp>
+        <p:cxnSp>
+          <p:nvCxnSpPr>
+            <p:cNvPr id="160" name="Straight Connector 159">
+              <a:extLst>
+                <a:ext uri="{FF2B5EF4-FFF2-40B4-BE49-F238E27FC236}">
+                  <a16:creationId xmlns:a16="http://schemas.microsoft.com/office/drawing/2014/main" id="{D09EF7D7-7B80-9045-8B56-8A881D8DE4B2}"/>
+                </a:ext>
+              </a:extLst>
+            </p:cNvPr>
+            <p:cNvCxnSpPr>
+              <a:cxnSpLocks/>
+              <a:stCxn id="79" idx="3"/>
+              <a:endCxn id="1028" idx="1"/>
+            </p:cNvCxnSpPr>
+            <p:nvPr/>
+          </p:nvCxnSpPr>
+          <p:spPr>
+            <a:xfrm flipV="1">
+              <a:off x="4180484" y="5779338"/>
+              <a:ext cx="520421" cy="7244"/>
+            </a:xfrm>
+            <a:prstGeom prst="line">
+              <a:avLst/>
+            </a:prstGeom>
+            <a:ln w="19050">
+              <a:solidFill>
+                <a:schemeClr val="accent2"/>
+              </a:solidFill>
+              <a:prstDash val="sysDash"/>
+            </a:ln>
+          </p:spPr>
+          <p:style>
+            <a:lnRef idx="1">
+              <a:schemeClr val="accent1"/>
+            </a:lnRef>
+            <a:fillRef idx="0">
+              <a:schemeClr val="accent1"/>
+            </a:fillRef>
+            <a:effectRef idx="0">
+              <a:schemeClr val="accent1"/>
+            </a:effectRef>
+            <a:fontRef idx="minor">
+              <a:schemeClr val="tx1"/>
+            </a:fontRef>
+          </p:style>
+        </p:cxnSp>
+        <p:cxnSp>
+          <p:nvCxnSpPr>
+            <p:cNvPr id="89" name="Straight Connector 88">
+              <a:extLst>
+                <a:ext uri="{FF2B5EF4-FFF2-40B4-BE49-F238E27FC236}">
+                  <a16:creationId xmlns:a16="http://schemas.microsoft.com/office/drawing/2014/main" id="{5185CABD-F5A5-3545-AF6C-8A5A4315BF24}"/>
+                </a:ext>
+              </a:extLst>
+            </p:cNvPr>
+            <p:cNvCxnSpPr>
+              <a:cxnSpLocks/>
+              <a:stCxn id="86" idx="2"/>
+            </p:cNvCxnSpPr>
+            <p:nvPr/>
+          </p:nvCxnSpPr>
+          <p:spPr>
+            <a:xfrm>
+              <a:off x="1029632" y="3319664"/>
+              <a:ext cx="69715" cy="70405"/>
+            </a:xfrm>
+            <a:prstGeom prst="line">
+              <a:avLst/>
+            </a:prstGeom>
+            <a:ln w="19050">
+              <a:solidFill>
+                <a:schemeClr val="accent2"/>
+              </a:solidFill>
+              <a:prstDash val="sysDash"/>
+            </a:ln>
+          </p:spPr>
+          <p:style>
+            <a:lnRef idx="1">
+              <a:schemeClr val="accent1"/>
+            </a:lnRef>
+            <a:fillRef idx="0">
+              <a:schemeClr val="accent1"/>
+            </a:fillRef>
+            <a:effectRef idx="0">
+              <a:schemeClr val="accent1"/>
+            </a:effectRef>
+            <a:fontRef idx="minor">
+              <a:schemeClr val="tx1"/>
+            </a:fontRef>
+          </p:style>
+        </p:cxnSp>
+        <p:cxnSp>
+          <p:nvCxnSpPr>
+            <p:cNvPr id="102" name="Straight Connector 101">
+              <a:extLst>
+                <a:ext uri="{FF2B5EF4-FFF2-40B4-BE49-F238E27FC236}">
+                  <a16:creationId xmlns:a16="http://schemas.microsoft.com/office/drawing/2014/main" id="{5185CABD-F5A5-3545-AF6C-8A5A4315BF24}"/>
+                </a:ext>
+              </a:extLst>
+            </p:cNvPr>
+            <p:cNvCxnSpPr>
+              <a:cxnSpLocks/>
+              <a:stCxn id="88" idx="2"/>
+              <a:endCxn id="68" idx="3"/>
+            </p:cNvCxnSpPr>
+            <p:nvPr/>
+          </p:nvCxnSpPr>
+          <p:spPr>
+            <a:xfrm flipH="1">
+              <a:off x="1383825" y="1671342"/>
+              <a:ext cx="638097" cy="193237"/>
+            </a:xfrm>
+            <a:prstGeom prst="line">
+              <a:avLst/>
+            </a:prstGeom>
+            <a:ln w="19050">
+              <a:solidFill>
+                <a:schemeClr val="accent2"/>
+              </a:solidFill>
+              <a:prstDash val="sysDash"/>
+            </a:ln>
+          </p:spPr>
+          <p:style>
+            <a:lnRef idx="1">
+              <a:schemeClr val="accent1"/>
+            </a:lnRef>
+            <a:fillRef idx="0">
+              <a:schemeClr val="accent1"/>
+            </a:fillRef>
+            <a:effectRef idx="0">
+              <a:schemeClr val="accent1"/>
+            </a:effectRef>
+            <a:fontRef idx="minor">
+              <a:schemeClr val="tx1"/>
+            </a:fontRef>
+          </p:style>
+        </p:cxnSp>
+        <p:sp>
+          <p:nvSpPr>
+            <p:cNvPr id="82" name="TextBox 81">
+              <a:extLst>
+                <a:ext uri="{FF2B5EF4-FFF2-40B4-BE49-F238E27FC236}">
+                  <a16:creationId xmlns:a16="http://schemas.microsoft.com/office/drawing/2014/main" id="{DC7DC0A6-33A8-9A4E-AC8D-0EF1DF0BAD0D}"/>
+                </a:ext>
+              </a:extLst>
+            </p:cNvPr>
+            <p:cNvSpPr txBox="1"/>
+            <p:nvPr/>
+          </p:nvSpPr>
+          <p:spPr>
+            <a:xfrm>
+              <a:off x="1267687" y="5603190"/>
+              <a:ext cx="1075936" cy="246221"/>
+            </a:xfrm>
+            <a:prstGeom prst="rect">
+              <a:avLst/>
+            </a:prstGeom>
+            <a:noFill/>
+          </p:spPr>
+          <p:txBody>
+            <a:bodyPr wrap="none" rtlCol="0">
+              <a:spAutoFit/>
+            </a:bodyPr>
+            <a:lstStyle/>
+            <a:p>
+              <a:r>
+                <a:rPr lang="en-US" sz="1000" dirty="0" smtClean="0"/>
+                <a:t>/</a:t>
+              </a:r>
+              <a:r>
+                <a:rPr lang="en-US" sz="1000" dirty="0" err="1" smtClean="0"/>
+                <a:t>src</a:t>
+              </a:r>
+              <a:r>
+                <a:rPr lang="en-US" sz="1000" dirty="0" smtClean="0"/>
+                <a:t>/HydroM.exe</a:t>
+              </a:r>
+              <a:endParaRPr lang="en-US" sz="1000" dirty="0"/>
+            </a:p>
+          </p:txBody>
+        </p:sp>
+        <p:sp>
+          <p:nvSpPr>
+            <p:cNvPr id="83" name="Folded Corner 82">
               <a:extLst>
                 <a:ext uri="{FF2B5EF4-FFF2-40B4-BE49-F238E27FC236}">
                   <a16:creationId xmlns:a16="http://schemas.microsoft.com/office/drawing/2014/main" id="{27EBC30B-8761-7F45-8523-15F8F3AE6587}"/>
@@ -10590,8 +10927,8 @@
           </p:nvSpPr>
           <p:spPr>
             <a:xfrm>
-              <a:off x="2271632" y="3704095"/>
-              <a:ext cx="455778" cy="245289"/>
+              <a:off x="1356011" y="5402733"/>
+              <a:ext cx="455778" cy="221601"/>
             </a:xfrm>
             <a:prstGeom prst="foldedCorner">
               <a:avLst>
@@ -10639,10 +10976,10 @@
         </p:sp>
         <p:sp>
           <p:nvSpPr>
-            <p:cNvPr id="127" name="TextBox 126">
-              <a:extLst>
-                <a:ext uri="{FF2B5EF4-FFF2-40B4-BE49-F238E27FC236}">
-                  <a16:creationId xmlns:a16="http://schemas.microsoft.com/office/drawing/2014/main" id="{C958EDA6-773B-6248-B835-FB048EE728FA}"/>
+            <p:cNvPr id="90" name="TextBox 89">
+              <a:extLst>
+                <a:ext uri="{FF2B5EF4-FFF2-40B4-BE49-F238E27FC236}">
+                  <a16:creationId xmlns:a16="http://schemas.microsoft.com/office/drawing/2014/main" id="{BCF17362-964F-6246-AF2A-19A17813EACB}"/>
                 </a:ext>
               </a:extLst>
             </p:cNvPr>
@@ -10651,8 +10988,8 @@
           </p:nvSpPr>
           <p:spPr>
             <a:xfrm>
-              <a:off x="2180555" y="3470088"/>
-              <a:ext cx="938077" cy="246221"/>
+              <a:off x="526116" y="5308334"/>
+              <a:ext cx="876843" cy="461665"/>
             </a:xfrm>
             <a:prstGeom prst="rect">
               <a:avLst/>
@@ -10666,313 +11003,46 @@
             <a:lstStyle/>
             <a:p>
               <a:r>
-                <a:rPr lang="en-US" sz="1000" dirty="0"/>
-                <a:t>/</a:t>
-              </a:r>
-              <a:r>
-                <a:rPr lang="en-US" sz="1000" dirty="0" smtClean="0"/>
-                <a:t>src/output.sh</a:t>
-              </a:r>
-              <a:endParaRPr lang="en-US" sz="1000" dirty="0"/>
-            </a:p>
-          </p:txBody>
-        </p:sp>
-        <p:sp>
-          <p:nvSpPr>
-            <p:cNvPr id="130" name="TextBox 129">
-              <a:extLst>
-                <a:ext uri="{FF2B5EF4-FFF2-40B4-BE49-F238E27FC236}">
-                  <a16:creationId xmlns:a16="http://schemas.microsoft.com/office/drawing/2014/main" id="{343D3DD3-69F2-3745-90A8-C9204B8C204B}"/>
-                </a:ext>
-              </a:extLst>
-            </p:cNvPr>
-            <p:cNvSpPr txBox="1"/>
-            <p:nvPr/>
-          </p:nvSpPr>
-          <p:spPr>
-            <a:xfrm>
-              <a:off x="1100509" y="3927552"/>
-              <a:ext cx="1283741" cy="276999"/>
-            </a:xfrm>
-            <a:prstGeom prst="rect">
-              <a:avLst/>
-            </a:prstGeom>
-            <a:noFill/>
-          </p:spPr>
-          <p:txBody>
-            <a:bodyPr wrap="square" rtlCol="0">
-              <a:spAutoFit/>
-            </a:bodyPr>
-            <a:lstStyle/>
-            <a:p>
-              <a:r>
-                <a:rPr lang="en-US" sz="1200" b="1" dirty="0" smtClean="0">
+                <a:rPr lang="en-US" sz="1200" b="1" dirty="0">
                   <a:solidFill>
                     <a:schemeClr val="accent1"/>
                   </a:solidFill>
                 </a:rPr>
-                <a:t>(MIC </a:t>
-              </a:r>
-              <a:r>
-                <a:rPr lang="en-US" sz="1200" b="1" dirty="0" smtClean="0">
+                <a:t>Model </a:t>
+              </a:r>
+            </a:p>
+            <a:p>
+              <a:r>
+                <a:rPr lang="en-US" sz="1200" b="1" dirty="0">
                   <a:solidFill>
                     <a:schemeClr val="accent1"/>
                   </a:solidFill>
                 </a:rPr>
-                <a:t>Run </a:t>
-              </a:r>
-              <a:r>
-                <a:rPr lang="en-US" sz="1200" b="1" dirty="0" smtClean="0">
-                  <a:solidFill>
-                    <a:schemeClr val="accent1"/>
-                  </a:solidFill>
-                </a:rPr>
-                <a:t>File)</a:t>
-              </a:r>
-              <a:endParaRPr lang="en-US" sz="1200" b="1" dirty="0">
-                <a:solidFill>
-                  <a:schemeClr val="accent1"/>
-                </a:solidFill>
-              </a:endParaRPr>
+                <a:t>Executable</a:t>
+              </a:r>
             </a:p>
           </p:txBody>
         </p:sp>
         <p:cxnSp>
           <p:nvCxnSpPr>
-            <p:cNvPr id="106" name="Elbow Connector 105"/>
-            <p:cNvCxnSpPr>
-              <a:stCxn id="45" idx="2"/>
-              <a:endCxn id="78" idx="1"/>
-            </p:cNvCxnSpPr>
-            <p:nvPr/>
-          </p:nvCxnSpPr>
-          <p:spPr>
-            <a:xfrm rot="5400000" flipH="1" flipV="1">
-              <a:off x="3900292" y="2760368"/>
-              <a:ext cx="42580" cy="4170154"/>
-            </a:xfrm>
-            <a:prstGeom prst="bentConnector4">
-              <a:avLst>
-                <a:gd name="adj1" fmla="val -1109535"/>
-                <a:gd name="adj2" fmla="val 64701"/>
-              </a:avLst>
-            </a:prstGeom>
-            <a:ln>
-              <a:tailEnd type="triangle"/>
-            </a:ln>
-          </p:spPr>
-          <p:style>
-            <a:lnRef idx="1">
-              <a:schemeClr val="accent1"/>
-            </a:lnRef>
-            <a:fillRef idx="0">
-              <a:schemeClr val="accent1"/>
-            </a:fillRef>
-            <a:effectRef idx="0">
-              <a:schemeClr val="accent1"/>
-            </a:effectRef>
-            <a:fontRef idx="minor">
-              <a:schemeClr val="tx1"/>
-            </a:fontRef>
-          </p:style>
-        </p:cxnSp>
-        <p:cxnSp>
-          <p:nvCxnSpPr>
-            <p:cNvPr id="146" name="Straight Arrow Connector 145">
-              <a:extLst>
-                <a:ext uri="{FF2B5EF4-FFF2-40B4-BE49-F238E27FC236}">
-                  <a16:creationId xmlns:a16="http://schemas.microsoft.com/office/drawing/2014/main" id="{CDB4AC00-1575-DE49-B9B6-71868CE07A9E}"/>
+            <p:cNvPr id="92" name="Straight Connector 91">
+              <a:extLst>
+                <a:ext uri="{FF2B5EF4-FFF2-40B4-BE49-F238E27FC236}">
+                  <a16:creationId xmlns:a16="http://schemas.microsoft.com/office/drawing/2014/main" id="{5185CABD-F5A5-3545-AF6C-8A5A4315BF24}"/>
                 </a:ext>
               </a:extLst>
             </p:cNvPr>
             <p:cNvCxnSpPr>
               <a:cxnSpLocks/>
-              <a:stCxn id="78" idx="2"/>
-              <a:endCxn id="79" idx="0"/>
+              <a:stCxn id="77" idx="2"/>
+              <a:endCxn id="83" idx="0"/>
             </p:cNvCxnSpPr>
             <p:nvPr/>
           </p:nvCxnSpPr>
           <p:spPr>
-            <a:xfrm flipH="1">
-              <a:off x="3854105" y="4969663"/>
-              <a:ext cx="2478934" cy="671410"/>
-            </a:xfrm>
-            <a:prstGeom prst="straightConnector1">
-              <a:avLst/>
-            </a:prstGeom>
-            <a:ln>
-              <a:tailEnd type="triangle"/>
-            </a:ln>
-          </p:spPr>
-          <p:style>
-            <a:lnRef idx="1">
-              <a:schemeClr val="accent1"/>
-            </a:lnRef>
-            <a:fillRef idx="0">
-              <a:schemeClr val="accent1"/>
-            </a:fillRef>
-            <a:effectRef idx="0">
-              <a:schemeClr val="accent1"/>
-            </a:effectRef>
-            <a:fontRef idx="minor">
-              <a:schemeClr val="tx1"/>
-            </a:fontRef>
-          </p:style>
-        </p:cxnSp>
-        <p:cxnSp>
-          <p:nvCxnSpPr>
-            <p:cNvPr id="154" name="Straight Arrow Connector 153">
-              <a:extLst>
-                <a:ext uri="{FF2B5EF4-FFF2-40B4-BE49-F238E27FC236}">
-                  <a16:creationId xmlns:a16="http://schemas.microsoft.com/office/drawing/2014/main" id="{CDB4AC00-1575-DE49-B9B6-71868CE07A9E}"/>
-                </a:ext>
-              </a:extLst>
-            </p:cNvPr>
-            <p:cNvCxnSpPr>
-              <a:cxnSpLocks/>
-              <a:endCxn id="79" idx="0"/>
-            </p:cNvCxnSpPr>
-            <p:nvPr/>
-          </p:nvCxnSpPr>
-          <p:spPr>
-            <a:xfrm>
-              <a:off x="1836503" y="5351053"/>
-              <a:ext cx="2017602" cy="290020"/>
-            </a:xfrm>
-            <a:prstGeom prst="straightConnector1">
-              <a:avLst/>
-            </a:prstGeom>
-            <a:ln>
-              <a:tailEnd type="triangle"/>
-            </a:ln>
-          </p:spPr>
-          <p:style>
-            <a:lnRef idx="1">
-              <a:schemeClr val="accent1"/>
-            </a:lnRef>
-            <a:fillRef idx="0">
-              <a:schemeClr val="accent1"/>
-            </a:fillRef>
-            <a:effectRef idx="0">
-              <a:schemeClr val="accent1"/>
-            </a:effectRef>
-            <a:fontRef idx="minor">
-              <a:schemeClr val="tx1"/>
-            </a:fontRef>
-          </p:style>
-        </p:cxnSp>
-        <p:cxnSp>
-          <p:nvCxnSpPr>
-            <p:cNvPr id="160" name="Straight Connector 159">
-              <a:extLst>
-                <a:ext uri="{FF2B5EF4-FFF2-40B4-BE49-F238E27FC236}">
-                  <a16:creationId xmlns:a16="http://schemas.microsoft.com/office/drawing/2014/main" id="{D09EF7D7-7B80-9045-8B56-8A881D8DE4B2}"/>
-                </a:ext>
-              </a:extLst>
-            </p:cNvPr>
-            <p:cNvCxnSpPr>
-              <a:cxnSpLocks/>
-              <a:stCxn id="79" idx="3"/>
-              <a:endCxn id="1028" idx="1"/>
-            </p:cNvCxnSpPr>
-            <p:nvPr/>
-          </p:nvCxnSpPr>
-          <p:spPr>
-            <a:xfrm flipV="1">
-              <a:off x="4180484" y="5779338"/>
-              <a:ext cx="520421" cy="7244"/>
-            </a:xfrm>
-            <a:prstGeom prst="line">
-              <a:avLst/>
-            </a:prstGeom>
-            <a:ln w="19050">
-              <a:solidFill>
-                <a:schemeClr val="accent2"/>
-              </a:solidFill>
-              <a:prstDash val="sysDash"/>
-            </a:ln>
-          </p:spPr>
-          <p:style>
-            <a:lnRef idx="1">
-              <a:schemeClr val="accent1"/>
-            </a:lnRef>
-            <a:fillRef idx="0">
-              <a:schemeClr val="accent1"/>
-            </a:fillRef>
-            <a:effectRef idx="0">
-              <a:schemeClr val="accent1"/>
-            </a:effectRef>
-            <a:fontRef idx="minor">
-              <a:schemeClr val="tx1"/>
-            </a:fontRef>
-          </p:style>
-        </p:cxnSp>
-        <p:cxnSp>
-          <p:nvCxnSpPr>
-            <p:cNvPr id="89" name="Straight Connector 88">
-              <a:extLst>
-                <a:ext uri="{FF2B5EF4-FFF2-40B4-BE49-F238E27FC236}">
-                  <a16:creationId xmlns:a16="http://schemas.microsoft.com/office/drawing/2014/main" id="{5185CABD-F5A5-3545-AF6C-8A5A4315BF24}"/>
-                </a:ext>
-              </a:extLst>
-            </p:cNvPr>
-            <p:cNvCxnSpPr>
-              <a:cxnSpLocks/>
-              <a:stCxn id="86" idx="2"/>
-              <a:endCxn id="100" idx="0"/>
-            </p:cNvCxnSpPr>
-            <p:nvPr/>
-          </p:nvCxnSpPr>
-          <p:spPr>
-            <a:xfrm>
-              <a:off x="1029632" y="3319664"/>
-              <a:ext cx="112889" cy="147706"/>
-            </a:xfrm>
-            <a:prstGeom prst="line">
-              <a:avLst/>
-            </a:prstGeom>
-            <a:ln w="19050">
-              <a:solidFill>
-                <a:schemeClr val="accent2"/>
-              </a:solidFill>
-              <a:prstDash val="sysDash"/>
-            </a:ln>
-          </p:spPr>
-          <p:style>
-            <a:lnRef idx="1">
-              <a:schemeClr val="accent1"/>
-            </a:lnRef>
-            <a:fillRef idx="0">
-              <a:schemeClr val="accent1"/>
-            </a:fillRef>
-            <a:effectRef idx="0">
-              <a:schemeClr val="accent1"/>
-            </a:effectRef>
-            <a:fontRef idx="minor">
-              <a:schemeClr val="tx1"/>
-            </a:fontRef>
-          </p:style>
-        </p:cxnSp>
-        <p:cxnSp>
-          <p:nvCxnSpPr>
-            <p:cNvPr id="102" name="Straight Connector 101">
-              <a:extLst>
-                <a:ext uri="{FF2B5EF4-FFF2-40B4-BE49-F238E27FC236}">
-                  <a16:creationId xmlns:a16="http://schemas.microsoft.com/office/drawing/2014/main" id="{5185CABD-F5A5-3545-AF6C-8A5A4315BF24}"/>
-                </a:ext>
-              </a:extLst>
-            </p:cNvPr>
-            <p:cNvCxnSpPr>
-              <a:cxnSpLocks/>
-              <a:stCxn id="88" idx="2"/>
-              <a:endCxn id="68" idx="3"/>
-            </p:cNvCxnSpPr>
-            <p:nvPr/>
-          </p:nvCxnSpPr>
-          <p:spPr>
-            <a:xfrm flipH="1">
-              <a:off x="1383825" y="1671342"/>
-              <a:ext cx="638097" cy="193237"/>
+            <a:xfrm>
+              <a:off x="1029631" y="5245929"/>
+              <a:ext cx="554269" cy="156804"/>
             </a:xfrm>
             <a:prstGeom prst="line">
               <a:avLst/>

--- a/docs/model_configuration/figures/MIC-Figure-v1.pptx
+++ b/docs/model_configuration/figures/MIC-Figure-v1.pptx
@@ -244,7 +244,7 @@
           <a:p>
             <a:fld id="{32597AF5-6CE4-3941-A032-0EACD02B8420}" type="datetimeFigureOut">
               <a:rPr lang="en-US" smtClean="0"/>
-              <a:t>6/5/2020</a:t>
+              <a:t>6/23/2020</a:t>
             </a:fld>
             <a:endParaRPr lang="en-US"/>
           </a:p>
@@ -414,7 +414,7 @@
           <a:p>
             <a:fld id="{32597AF5-6CE4-3941-A032-0EACD02B8420}" type="datetimeFigureOut">
               <a:rPr lang="en-US" smtClean="0"/>
-              <a:t>6/5/2020</a:t>
+              <a:t>6/23/2020</a:t>
             </a:fld>
             <a:endParaRPr lang="en-US"/>
           </a:p>
@@ -594,7 +594,7 @@
           <a:p>
             <a:fld id="{32597AF5-6CE4-3941-A032-0EACD02B8420}" type="datetimeFigureOut">
               <a:rPr lang="en-US" smtClean="0"/>
-              <a:t>6/5/2020</a:t>
+              <a:t>6/23/2020</a:t>
             </a:fld>
             <a:endParaRPr lang="en-US"/>
           </a:p>
@@ -764,7 +764,7 @@
           <a:p>
             <a:fld id="{32597AF5-6CE4-3941-A032-0EACD02B8420}" type="datetimeFigureOut">
               <a:rPr lang="en-US" smtClean="0"/>
-              <a:t>6/5/2020</a:t>
+              <a:t>6/23/2020</a:t>
             </a:fld>
             <a:endParaRPr lang="en-US"/>
           </a:p>
@@ -1008,7 +1008,7 @@
           <a:p>
             <a:fld id="{32597AF5-6CE4-3941-A032-0EACD02B8420}" type="datetimeFigureOut">
               <a:rPr lang="en-US" smtClean="0"/>
-              <a:t>6/5/2020</a:t>
+              <a:t>6/23/2020</a:t>
             </a:fld>
             <a:endParaRPr lang="en-US"/>
           </a:p>
@@ -1240,7 +1240,7 @@
           <a:p>
             <a:fld id="{32597AF5-6CE4-3941-A032-0EACD02B8420}" type="datetimeFigureOut">
               <a:rPr lang="en-US" smtClean="0"/>
-              <a:t>6/5/2020</a:t>
+              <a:t>6/23/2020</a:t>
             </a:fld>
             <a:endParaRPr lang="en-US"/>
           </a:p>
@@ -1607,7 +1607,7 @@
           <a:p>
             <a:fld id="{32597AF5-6CE4-3941-A032-0EACD02B8420}" type="datetimeFigureOut">
               <a:rPr lang="en-US" smtClean="0"/>
-              <a:t>6/5/2020</a:t>
+              <a:t>6/23/2020</a:t>
             </a:fld>
             <a:endParaRPr lang="en-US"/>
           </a:p>
@@ -1725,7 +1725,7 @@
           <a:p>
             <a:fld id="{32597AF5-6CE4-3941-A032-0EACD02B8420}" type="datetimeFigureOut">
               <a:rPr lang="en-US" smtClean="0"/>
-              <a:t>6/5/2020</a:t>
+              <a:t>6/23/2020</a:t>
             </a:fld>
             <a:endParaRPr lang="en-US"/>
           </a:p>
@@ -1820,7 +1820,7 @@
           <a:p>
             <a:fld id="{32597AF5-6CE4-3941-A032-0EACD02B8420}" type="datetimeFigureOut">
               <a:rPr lang="en-US" smtClean="0"/>
-              <a:t>6/5/2020</a:t>
+              <a:t>6/23/2020</a:t>
             </a:fld>
             <a:endParaRPr lang="en-US"/>
           </a:p>
@@ -2097,7 +2097,7 @@
           <a:p>
             <a:fld id="{32597AF5-6CE4-3941-A032-0EACD02B8420}" type="datetimeFigureOut">
               <a:rPr lang="en-US" smtClean="0"/>
-              <a:t>6/5/2020</a:t>
+              <a:t>6/23/2020</a:t>
             </a:fld>
             <a:endParaRPr lang="en-US"/>
           </a:p>
@@ -2354,7 +2354,7 @@
           <a:p>
             <a:fld id="{32597AF5-6CE4-3941-A032-0EACD02B8420}" type="datetimeFigureOut">
               <a:rPr lang="en-US" smtClean="0"/>
-              <a:t>6/5/2020</a:t>
+              <a:t>6/23/2020</a:t>
             </a:fld>
             <a:endParaRPr lang="en-US"/>
           </a:p>
@@ -2567,7 +2567,7 @@
           <a:p>
             <a:fld id="{32597AF5-6CE4-3941-A032-0EACD02B8420}" type="datetimeFigureOut">
               <a:rPr lang="en-US" smtClean="0"/>
-              <a:t>6/5/2020</a:t>
+              <a:t>6/23/2020</a:t>
             </a:fld>
             <a:endParaRPr lang="en-US"/>
           </a:p>
@@ -7127,128 +7127,319 @@
           <a:chExt cx="0" cy="0"/>
         </a:xfrm>
       </p:grpSpPr>
+      <p:sp>
+        <p:nvSpPr>
+          <p:cNvPr id="145" name="TextBox 144">
+            <a:extLst>
+              <a:ext uri="{FF2B5EF4-FFF2-40B4-BE49-F238E27FC236}">
+                <a16:creationId xmlns:a16="http://schemas.microsoft.com/office/drawing/2014/main" id="{E8050F51-9CE8-9B4D-9A09-107E902DAB02}"/>
+              </a:ext>
+            </a:extLst>
+          </p:cNvPr>
+          <p:cNvSpPr txBox="1"/>
+          <p:nvPr/>
+        </p:nvSpPr>
+        <p:spPr>
+          <a:xfrm>
+            <a:off x="1498919" y="9061017"/>
+            <a:ext cx="2101857" cy="230832"/>
+          </a:xfrm>
+          <a:prstGeom prst="rect">
+            <a:avLst/>
+          </a:prstGeom>
+          <a:noFill/>
+        </p:spPr>
+        <p:txBody>
+          <a:bodyPr wrap="none" rtlCol="0">
+            <a:spAutoFit/>
+          </a:bodyPr>
+          <a:lstStyle/>
+          <a:p>
+            <a:r>
+              <a:rPr lang="en-US" sz="900" i="1" dirty="0">
+                <a:solidFill>
+                  <a:schemeClr val="accent6"/>
+                </a:solidFill>
+              </a:rPr>
+              <a:t>Green italics indicate user-provided input</a:t>
+            </a:r>
+          </a:p>
+        </p:txBody>
+      </p:sp>
+      <p:sp>
+        <p:nvSpPr>
+          <p:cNvPr id="147" name="TextBox 146">
+            <a:extLst>
+              <a:ext uri="{FF2B5EF4-FFF2-40B4-BE49-F238E27FC236}">
+                <a16:creationId xmlns:a16="http://schemas.microsoft.com/office/drawing/2014/main" id="{A5C1D569-AE1B-CC4D-BEC8-B4C2CE034231}"/>
+              </a:ext>
+            </a:extLst>
+          </p:cNvPr>
+          <p:cNvSpPr txBox="1"/>
+          <p:nvPr/>
+        </p:nvSpPr>
+        <p:spPr>
+          <a:xfrm>
+            <a:off x="1483156" y="8914086"/>
+            <a:ext cx="4482317" cy="230832"/>
+          </a:xfrm>
+          <a:prstGeom prst="rect">
+            <a:avLst/>
+          </a:prstGeom>
+          <a:noFill/>
+        </p:spPr>
+        <p:txBody>
+          <a:bodyPr wrap="none" rtlCol="0">
+            <a:spAutoFit/>
+          </a:bodyPr>
+          <a:lstStyle/>
+          <a:p>
+            <a:r>
+              <a:rPr lang="en-US" sz="900" b="1" dirty="0">
+                <a:solidFill>
+                  <a:schemeClr val="accent1"/>
+                </a:solidFill>
+              </a:rPr>
+              <a:t>Blue boldface highlights important concepts in component-based software encapsulation</a:t>
+            </a:r>
+          </a:p>
+        </p:txBody>
+      </p:sp>
+      <p:sp>
+        <p:nvSpPr>
+          <p:cNvPr id="148" name="Rectangle 147">
+            <a:extLst>
+              <a:ext uri="{FF2B5EF4-FFF2-40B4-BE49-F238E27FC236}">
+                <a16:creationId xmlns:a16="http://schemas.microsoft.com/office/drawing/2014/main" id="{63E0E312-4A07-EE43-A7D8-793B4F115108}"/>
+              </a:ext>
+            </a:extLst>
+          </p:cNvPr>
+          <p:cNvSpPr/>
+          <p:nvPr/>
+        </p:nvSpPr>
+        <p:spPr>
+          <a:xfrm>
+            <a:off x="1601204" y="9327278"/>
+            <a:ext cx="771403" cy="227326"/>
+          </a:xfrm>
+          <a:prstGeom prst="rect">
+            <a:avLst/>
+          </a:prstGeom>
+          <a:solidFill>
+            <a:schemeClr val="accent2"/>
+          </a:solidFill>
+          <a:ln>
+            <a:solidFill>
+              <a:schemeClr val="accent2">
+                <a:lumMod val="50000"/>
+              </a:schemeClr>
+            </a:solidFill>
+          </a:ln>
+        </p:spPr>
+        <p:style>
+          <a:lnRef idx="2">
+            <a:schemeClr val="accent1">
+              <a:shade val="50000"/>
+            </a:schemeClr>
+          </a:lnRef>
+          <a:fillRef idx="1">
+            <a:schemeClr val="accent1"/>
+          </a:fillRef>
+          <a:effectRef idx="0">
+            <a:schemeClr val="accent1"/>
+          </a:effectRef>
+          <a:fontRef idx="minor">
+            <a:schemeClr val="lt1"/>
+          </a:fontRef>
+        </p:style>
+        <p:txBody>
+          <a:bodyPr rtlCol="0" anchor="ctr"/>
+          <a:lstStyle/>
+          <a:p>
+            <a:pPr algn="ctr"/>
+            <a:r>
+              <a:rPr lang="en-US" sz="1100" b="1" dirty="0"/>
+              <a:t>MIC STEP</a:t>
+            </a:r>
+          </a:p>
+        </p:txBody>
+      </p:sp>
+      <p:sp>
+        <p:nvSpPr>
+          <p:cNvPr id="149" name="TextBox 148">
+            <a:extLst>
+              <a:ext uri="{FF2B5EF4-FFF2-40B4-BE49-F238E27FC236}">
+                <a16:creationId xmlns:a16="http://schemas.microsoft.com/office/drawing/2014/main" id="{CFD412A9-10FD-3949-83D7-8753B1B22076}"/>
+              </a:ext>
+            </a:extLst>
+          </p:cNvPr>
+          <p:cNvSpPr txBox="1"/>
+          <p:nvPr/>
+        </p:nvSpPr>
+        <p:spPr>
+          <a:xfrm>
+            <a:off x="2378702" y="9259683"/>
+            <a:ext cx="3557543" cy="369332"/>
+          </a:xfrm>
+          <a:prstGeom prst="rect">
+            <a:avLst/>
+          </a:prstGeom>
+          <a:noFill/>
+        </p:spPr>
+        <p:txBody>
+          <a:bodyPr wrap="square" rtlCol="0">
+            <a:spAutoFit/>
+          </a:bodyPr>
+          <a:lstStyle/>
+          <a:p>
+            <a:r>
+              <a:rPr lang="en-US" sz="900" dirty="0">
+                <a:solidFill>
+                  <a:schemeClr val="accent2"/>
+                </a:solidFill>
+              </a:rPr>
+              <a:t>MIC assists users through 8 steps, creating file templates, directory structures, publishing code, and validating the new model component </a:t>
+            </a:r>
+          </a:p>
+        </p:txBody>
+      </p:sp>
+      <p:sp>
+        <p:nvSpPr>
+          <p:cNvPr id="150" name="TextBox 149">
+            <a:extLst>
+              <a:ext uri="{FF2B5EF4-FFF2-40B4-BE49-F238E27FC236}">
+                <a16:creationId xmlns:a16="http://schemas.microsoft.com/office/drawing/2014/main" id="{E33B454A-46C6-DD41-9DDF-0CA431FC16C3}"/>
+              </a:ext>
+            </a:extLst>
+          </p:cNvPr>
+          <p:cNvSpPr txBox="1"/>
+          <p:nvPr/>
+        </p:nvSpPr>
+        <p:spPr>
+          <a:xfrm>
+            <a:off x="1489792" y="8743631"/>
+            <a:ext cx="591829" cy="230832"/>
+          </a:xfrm>
+          <a:prstGeom prst="rect">
+            <a:avLst/>
+          </a:prstGeom>
+          <a:noFill/>
+        </p:spPr>
+        <p:txBody>
+          <a:bodyPr wrap="none" rtlCol="0">
+            <a:spAutoFit/>
+          </a:bodyPr>
+          <a:lstStyle/>
+          <a:p>
+            <a:r>
+              <a:rPr lang="en-US" sz="900" dirty="0">
+                <a:solidFill>
+                  <a:schemeClr val="bg1">
+                    <a:lumMod val="50000"/>
+                  </a:schemeClr>
+                </a:solidFill>
+              </a:rPr>
+              <a:t>LEGEND:</a:t>
+            </a:r>
+          </a:p>
+        </p:txBody>
+      </p:sp>
+      <p:sp>
+        <p:nvSpPr>
+          <p:cNvPr id="143" name="Rectangle 142">
+            <a:extLst>
+              <a:ext uri="{FF2B5EF4-FFF2-40B4-BE49-F238E27FC236}">
+                <a16:creationId xmlns:a16="http://schemas.microsoft.com/office/drawing/2014/main" id="{672C3F2E-CF5E-AE43-9D02-8A832EEE392E}"/>
+              </a:ext>
+            </a:extLst>
+          </p:cNvPr>
+          <p:cNvSpPr/>
+          <p:nvPr/>
+        </p:nvSpPr>
+        <p:spPr>
+          <a:xfrm>
+            <a:off x="1483156" y="8743631"/>
+            <a:ext cx="4499981" cy="885384"/>
+          </a:xfrm>
+          <a:prstGeom prst="rect">
+            <a:avLst/>
+          </a:prstGeom>
+          <a:noFill/>
+          <a:ln>
+            <a:solidFill>
+              <a:schemeClr val="accent1">
+                <a:lumMod val="60000"/>
+                <a:lumOff val="40000"/>
+              </a:schemeClr>
+            </a:solidFill>
+          </a:ln>
+        </p:spPr>
+        <p:style>
+          <a:lnRef idx="2">
+            <a:schemeClr val="accent1">
+              <a:shade val="50000"/>
+            </a:schemeClr>
+          </a:lnRef>
+          <a:fillRef idx="1">
+            <a:schemeClr val="accent1"/>
+          </a:fillRef>
+          <a:effectRef idx="0">
+            <a:schemeClr val="accent1"/>
+          </a:effectRef>
+          <a:fontRef idx="minor">
+            <a:schemeClr val="lt1"/>
+          </a:fontRef>
+        </p:style>
+        <p:txBody>
+          <a:bodyPr rtlCol="0" anchor="ctr"/>
+          <a:lstStyle/>
+          <a:p>
+            <a:pPr algn="ctr"/>
+            <a:endParaRPr lang="en-US"/>
+          </a:p>
+        </p:txBody>
+      </p:sp>
       <p:grpSp>
         <p:nvGrpSpPr>
-          <p:cNvPr id="32" name="Group 31"/>
+          <p:cNvPr id="85" name="Group 84"/>
           <p:cNvGrpSpPr/>
           <p:nvPr/>
         </p:nvGrpSpPr>
         <p:grpSpPr>
           <a:xfrm>
             <a:off x="526116" y="402102"/>
-            <a:ext cx="6676137" cy="9226913"/>
+            <a:ext cx="7118267" cy="6610049"/>
             <a:chOff x="526116" y="402102"/>
-            <a:chExt cx="6676137" cy="9226913"/>
+            <a:chExt cx="7118267" cy="6610049"/>
           </a:xfrm>
         </p:grpSpPr>
         <p:sp>
           <p:nvSpPr>
-            <p:cNvPr id="145" name="TextBox 144">
-              <a:extLst>
-                <a:ext uri="{FF2B5EF4-FFF2-40B4-BE49-F238E27FC236}">
-                  <a16:creationId xmlns:a16="http://schemas.microsoft.com/office/drawing/2014/main" id="{E8050F51-9CE8-9B4D-9A09-107E902DAB02}"/>
-                </a:ext>
-              </a:extLst>
-            </p:cNvPr>
-            <p:cNvSpPr txBox="1"/>
+            <p:cNvPr id="45" name="Rounded Rectangle 44">
+              <a:extLst>
+                <a:ext uri="{FF2B5EF4-FFF2-40B4-BE49-F238E27FC236}">
+                  <a16:creationId xmlns:a16="http://schemas.microsoft.com/office/drawing/2014/main" id="{6B049920-D8AF-D649-B420-E538956E9ACF}"/>
+                </a:ext>
+              </a:extLst>
+            </p:cNvPr>
+            <p:cNvSpPr/>
             <p:nvPr/>
           </p:nvSpPr>
           <p:spPr>
             <a:xfrm>
-              <a:off x="1498919" y="9061017"/>
-              <a:ext cx="2101857" cy="230832"/>
-            </a:xfrm>
-            <a:prstGeom prst="rect">
-              <a:avLst/>
-            </a:prstGeom>
-            <a:noFill/>
-          </p:spPr>
-          <p:txBody>
-            <a:bodyPr wrap="none" rtlCol="0">
-              <a:spAutoFit/>
-            </a:bodyPr>
-            <a:lstStyle/>
-            <a:p>
-              <a:r>
-                <a:rPr lang="en-US" sz="900" i="1" dirty="0">
-                  <a:solidFill>
-                    <a:schemeClr val="accent6"/>
-                  </a:solidFill>
-                </a:rPr>
-                <a:t>Green italics indicate user-provided input</a:t>
-              </a:r>
-            </a:p>
-          </p:txBody>
-        </p:sp>
-        <p:sp>
-          <p:nvSpPr>
-            <p:cNvPr id="147" name="TextBox 146">
-              <a:extLst>
-                <a:ext uri="{FF2B5EF4-FFF2-40B4-BE49-F238E27FC236}">
-                  <a16:creationId xmlns:a16="http://schemas.microsoft.com/office/drawing/2014/main" id="{A5C1D569-AE1B-CC4D-BEC8-B4C2CE034231}"/>
-                </a:ext>
-              </a:extLst>
-            </p:cNvPr>
-            <p:cNvSpPr txBox="1"/>
-            <p:nvPr/>
-          </p:nvSpPr>
-          <p:spPr>
-            <a:xfrm>
-              <a:off x="1483156" y="8914086"/>
-              <a:ext cx="4482317" cy="230832"/>
-            </a:xfrm>
-            <a:prstGeom prst="rect">
-              <a:avLst/>
-            </a:prstGeom>
-            <a:noFill/>
-          </p:spPr>
-          <p:txBody>
-            <a:bodyPr wrap="none" rtlCol="0">
-              <a:spAutoFit/>
-            </a:bodyPr>
-            <a:lstStyle/>
-            <a:p>
-              <a:r>
-                <a:rPr lang="en-US" sz="900" b="1" dirty="0">
-                  <a:solidFill>
-                    <a:schemeClr val="accent1"/>
-                  </a:solidFill>
-                </a:rPr>
-                <a:t>Blue boldface highlights important concepts in component-based software encapsulation</a:t>
-              </a:r>
-            </a:p>
-          </p:txBody>
-        </p:sp>
-        <p:sp>
-          <p:nvSpPr>
-            <p:cNvPr id="148" name="Rectangle 147">
-              <a:extLst>
-                <a:ext uri="{FF2B5EF4-FFF2-40B4-BE49-F238E27FC236}">
-                  <a16:creationId xmlns:a16="http://schemas.microsoft.com/office/drawing/2014/main" id="{63E0E312-4A07-EE43-A7D8-793B4F115108}"/>
-                </a:ext>
-              </a:extLst>
-            </p:cNvPr>
-            <p:cNvSpPr/>
-            <p:nvPr/>
-          </p:nvSpPr>
-          <p:spPr>
-            <a:xfrm>
-              <a:off x="1601204" y="9327278"/>
-              <a:ext cx="771403" cy="227326"/>
-            </a:xfrm>
-            <a:prstGeom prst="rect">
-              <a:avLst/>
+              <a:off x="610413" y="3411156"/>
+              <a:ext cx="2369478" cy="1455579"/>
+            </a:xfrm>
+            <a:prstGeom prst="roundRect">
+              <a:avLst>
+                <a:gd name="adj" fmla="val 8484"/>
+              </a:avLst>
             </a:prstGeom>
             <a:solidFill>
-              <a:schemeClr val="accent2"/>
+              <a:schemeClr val="bg1">
+                <a:lumMod val="85000"/>
+              </a:schemeClr>
             </a:solidFill>
-            <a:ln>
-              <a:solidFill>
-                <a:schemeClr val="accent2">
-                  <a:lumMod val="50000"/>
-                </a:schemeClr>
-              </a:solidFill>
-            </a:ln>
           </p:spPr>
           <p:style>
             <a:lnRef idx="2">
@@ -7271,197 +7462,6 @@
             <a:lstStyle/>
             <a:p>
               <a:pPr algn="ctr"/>
-              <a:r>
-                <a:rPr lang="en-US" sz="1100" b="1" dirty="0"/>
-                <a:t>MIC STEP</a:t>
-              </a:r>
-            </a:p>
-          </p:txBody>
-        </p:sp>
-        <p:sp>
-          <p:nvSpPr>
-            <p:cNvPr id="149" name="TextBox 148">
-              <a:extLst>
-                <a:ext uri="{FF2B5EF4-FFF2-40B4-BE49-F238E27FC236}">
-                  <a16:creationId xmlns:a16="http://schemas.microsoft.com/office/drawing/2014/main" id="{CFD412A9-10FD-3949-83D7-8753B1B22076}"/>
-                </a:ext>
-              </a:extLst>
-            </p:cNvPr>
-            <p:cNvSpPr txBox="1"/>
-            <p:nvPr/>
-          </p:nvSpPr>
-          <p:spPr>
-            <a:xfrm>
-              <a:off x="2378702" y="9259683"/>
-              <a:ext cx="3557543" cy="369332"/>
-            </a:xfrm>
-            <a:prstGeom prst="rect">
-              <a:avLst/>
-            </a:prstGeom>
-            <a:noFill/>
-          </p:spPr>
-          <p:txBody>
-            <a:bodyPr wrap="square" rtlCol="0">
-              <a:spAutoFit/>
-            </a:bodyPr>
-            <a:lstStyle/>
-            <a:p>
-              <a:r>
-                <a:rPr lang="en-US" sz="900" dirty="0">
-                  <a:solidFill>
-                    <a:schemeClr val="accent2"/>
-                  </a:solidFill>
-                </a:rPr>
-                <a:t>MIC assists users through 8 steps, creating file templates, directory structures, publishing code, and validating the new model component </a:t>
-              </a:r>
-            </a:p>
-          </p:txBody>
-        </p:sp>
-        <p:sp>
-          <p:nvSpPr>
-            <p:cNvPr id="150" name="TextBox 149">
-              <a:extLst>
-                <a:ext uri="{FF2B5EF4-FFF2-40B4-BE49-F238E27FC236}">
-                  <a16:creationId xmlns:a16="http://schemas.microsoft.com/office/drawing/2014/main" id="{E33B454A-46C6-DD41-9DDF-0CA431FC16C3}"/>
-                </a:ext>
-              </a:extLst>
-            </p:cNvPr>
-            <p:cNvSpPr txBox="1"/>
-            <p:nvPr/>
-          </p:nvSpPr>
-          <p:spPr>
-            <a:xfrm>
-              <a:off x="1489792" y="8743631"/>
-              <a:ext cx="591829" cy="230832"/>
-            </a:xfrm>
-            <a:prstGeom prst="rect">
-              <a:avLst/>
-            </a:prstGeom>
-            <a:noFill/>
-          </p:spPr>
-          <p:txBody>
-            <a:bodyPr wrap="none" rtlCol="0">
-              <a:spAutoFit/>
-            </a:bodyPr>
-            <a:lstStyle/>
-            <a:p>
-              <a:r>
-                <a:rPr lang="en-US" sz="900" dirty="0">
-                  <a:solidFill>
-                    <a:schemeClr val="bg1">
-                      <a:lumMod val="50000"/>
-                    </a:schemeClr>
-                  </a:solidFill>
-                </a:rPr>
-                <a:t>LEGEND:</a:t>
-              </a:r>
-            </a:p>
-          </p:txBody>
-        </p:sp>
-        <p:sp>
-          <p:nvSpPr>
-            <p:cNvPr id="143" name="Rectangle 142">
-              <a:extLst>
-                <a:ext uri="{FF2B5EF4-FFF2-40B4-BE49-F238E27FC236}">
-                  <a16:creationId xmlns:a16="http://schemas.microsoft.com/office/drawing/2014/main" id="{672C3F2E-CF5E-AE43-9D02-8A832EEE392E}"/>
-                </a:ext>
-              </a:extLst>
-            </p:cNvPr>
-            <p:cNvSpPr/>
-            <p:nvPr/>
-          </p:nvSpPr>
-          <p:spPr>
-            <a:xfrm>
-              <a:off x="1483156" y="8743631"/>
-              <a:ext cx="4499981" cy="885384"/>
-            </a:xfrm>
-            <a:prstGeom prst="rect">
-              <a:avLst/>
-            </a:prstGeom>
-            <a:noFill/>
-            <a:ln>
-              <a:solidFill>
-                <a:schemeClr val="accent1">
-                  <a:lumMod val="60000"/>
-                  <a:lumOff val="40000"/>
-                </a:schemeClr>
-              </a:solidFill>
-            </a:ln>
-          </p:spPr>
-          <p:style>
-            <a:lnRef idx="2">
-              <a:schemeClr val="accent1">
-                <a:shade val="50000"/>
-              </a:schemeClr>
-            </a:lnRef>
-            <a:fillRef idx="1">
-              <a:schemeClr val="accent1"/>
-            </a:fillRef>
-            <a:effectRef idx="0">
-              <a:schemeClr val="accent1"/>
-            </a:effectRef>
-            <a:fontRef idx="minor">
-              <a:schemeClr val="lt1"/>
-            </a:fontRef>
-          </p:style>
-          <p:txBody>
-            <a:bodyPr rtlCol="0" anchor="ctr"/>
-            <a:lstStyle/>
-            <a:p>
-              <a:pPr algn="ctr"/>
-              <a:endParaRPr lang="en-US"/>
-            </a:p>
-          </p:txBody>
-        </p:sp>
-        <p:sp>
-          <p:nvSpPr>
-            <p:cNvPr id="45" name="Rounded Rectangle 44">
-              <a:extLst>
-                <a:ext uri="{FF2B5EF4-FFF2-40B4-BE49-F238E27FC236}">
-                  <a16:creationId xmlns:a16="http://schemas.microsoft.com/office/drawing/2014/main" id="{6B049920-D8AF-D649-B420-E538956E9ACF}"/>
-                </a:ext>
-              </a:extLst>
-            </p:cNvPr>
-            <p:cNvSpPr/>
-            <p:nvPr/>
-          </p:nvSpPr>
-          <p:spPr>
-            <a:xfrm>
-              <a:off x="610413" y="3411156"/>
-              <a:ext cx="2369478" cy="1455579"/>
-            </a:xfrm>
-            <a:prstGeom prst="roundRect">
-              <a:avLst>
-                <a:gd name="adj" fmla="val 8484"/>
-              </a:avLst>
-            </a:prstGeom>
-            <a:solidFill>
-              <a:schemeClr val="bg1">
-                <a:lumMod val="85000"/>
-              </a:schemeClr>
-            </a:solidFill>
-          </p:spPr>
-          <p:style>
-            <a:lnRef idx="2">
-              <a:schemeClr val="accent1">
-                <a:shade val="50000"/>
-              </a:schemeClr>
-            </a:lnRef>
-            <a:fillRef idx="1">
-              <a:schemeClr val="accent1"/>
-            </a:fillRef>
-            <a:effectRef idx="0">
-              <a:schemeClr val="accent1"/>
-            </a:effectRef>
-            <a:fontRef idx="minor">
-              <a:schemeClr val="lt1"/>
-            </a:fontRef>
-          </p:style>
-          <p:txBody>
-            <a:bodyPr rtlCol="0" anchor="ctr"/>
-            <a:lstStyle/>
-            <a:p>
-              <a:pPr algn="ctr"/>
               <a:endParaRPr lang="en-US"/>
             </a:p>
           </p:txBody>
@@ -7480,7 +7480,7 @@
           </p:nvSpPr>
           <p:spPr>
             <a:xfrm>
-              <a:off x="3551895" y="1386325"/>
+              <a:off x="3766248" y="1709674"/>
               <a:ext cx="1480738" cy="1154951"/>
             </a:xfrm>
             <a:prstGeom prst="foldedCorner">
@@ -7539,8 +7539,8 @@
           </p:nvSpPr>
           <p:spPr>
             <a:xfrm>
-              <a:off x="5242546" y="1809905"/>
-              <a:ext cx="1698550" cy="461665"/>
+              <a:off x="5633315" y="2117379"/>
+              <a:ext cx="1888615" cy="1015663"/>
             </a:xfrm>
             <a:prstGeom prst="rect">
               <a:avLst/>
@@ -7559,7 +7559,52 @@
                     <a:schemeClr val="accent1"/>
                   </a:solidFill>
                 </a:rPr>
-                <a:t>Component inputs and parameters</a:t>
+                <a:t>Expose component parameters (step 3),</a:t>
+              </a:r>
+              <a:br>
+                <a:rPr lang="en-US" sz="1200" b="1" dirty="0" smtClean="0">
+                  <a:solidFill>
+                    <a:schemeClr val="accent1"/>
+                  </a:solidFill>
+                </a:rPr>
+              </a:br>
+              <a:r>
+                <a:rPr lang="en-US" sz="1200" b="1" dirty="0" smtClean="0">
+                  <a:solidFill>
+                    <a:schemeClr val="accent1"/>
+                  </a:solidFill>
+                </a:rPr>
+                <a:t>configuration files (step 4)</a:t>
+              </a:r>
+              <a:br>
+                <a:rPr lang="en-US" sz="1200" b="1" dirty="0" smtClean="0">
+                  <a:solidFill>
+                    <a:schemeClr val="accent1"/>
+                  </a:solidFill>
+                </a:rPr>
+              </a:br>
+              <a:r>
+                <a:rPr lang="en-US" sz="1200" b="1" dirty="0" smtClean="0">
+                  <a:solidFill>
+                    <a:schemeClr val="accent1"/>
+                  </a:solidFill>
+                </a:rPr>
+                <a:t>inputs (step 5) and</a:t>
+              </a:r>
+              <a:br>
+                <a:rPr lang="en-US" sz="1200" b="1" dirty="0" smtClean="0">
+                  <a:solidFill>
+                    <a:schemeClr val="accent1"/>
+                  </a:solidFill>
+                </a:rPr>
+              </a:br>
+              <a:r>
+                <a:rPr lang="en-US" sz="1200" b="1" dirty="0" smtClean="0">
+                  <a:solidFill>
+                    <a:schemeClr val="accent1"/>
+                  </a:solidFill>
+                </a:rPr>
+                <a:t>outputs (step 6)</a:t>
               </a:r>
               <a:endParaRPr lang="en-US" sz="1200" b="1" dirty="0">
                 <a:solidFill>
@@ -7627,7 +7672,7 @@
           </p:nvSpPr>
           <p:spPr>
             <a:xfrm>
-              <a:off x="3121547" y="1926171"/>
+              <a:off x="3210500" y="2110023"/>
               <a:ext cx="478016" cy="461665"/>
             </a:xfrm>
             <a:prstGeom prst="rect">
@@ -7676,7 +7721,7 @@
           </p:nvSpPr>
           <p:spPr>
             <a:xfrm>
-              <a:off x="5697620" y="3390069"/>
+              <a:off x="5559707" y="3765947"/>
               <a:ext cx="1504632" cy="276999"/>
             </a:xfrm>
             <a:prstGeom prst="rect">
@@ -7728,7 +7773,7 @@
           </p:nvSpPr>
           <p:spPr>
             <a:xfrm>
-              <a:off x="3566872" y="1408874"/>
+              <a:off x="3715883" y="1733649"/>
               <a:ext cx="1532792" cy="1169551"/>
             </a:xfrm>
             <a:prstGeom prst="rect">
@@ -7887,7 +7932,7 @@
           </p:nvSpPr>
           <p:spPr>
             <a:xfrm>
-              <a:off x="2336912" y="2407879"/>
+              <a:off x="1410966" y="2279572"/>
               <a:ext cx="880369" cy="461665"/>
             </a:xfrm>
             <a:prstGeom prst="rect">
@@ -7940,8 +7985,8 @@
           </p:nvCxnSpPr>
           <p:spPr>
             <a:xfrm flipH="1">
-              <a:off x="1626348" y="2869544"/>
-              <a:ext cx="1150749" cy="303432"/>
+              <a:off x="1626348" y="2741237"/>
+              <a:ext cx="224803" cy="431739"/>
             </a:xfrm>
             <a:prstGeom prst="straightConnector1">
               <a:avLst/>
@@ -8023,8 +8068,8 @@
           </p:nvCxnSpPr>
           <p:spPr>
             <a:xfrm>
-              <a:off x="2777097" y="2869544"/>
-              <a:ext cx="585797" cy="295391"/>
+              <a:off x="1851151" y="2741237"/>
+              <a:ext cx="1511743" cy="423698"/>
             </a:xfrm>
             <a:prstGeom prst="straightConnector1">
               <a:avLst/>
@@ -8097,7 +8142,7 @@
           </p:nvSpPr>
           <p:spPr>
             <a:xfrm>
-              <a:off x="5940183" y="3177149"/>
+              <a:off x="5802270" y="3553027"/>
               <a:ext cx="590226" cy="246221"/>
             </a:xfrm>
             <a:prstGeom prst="rect">
@@ -8136,8 +8181,8 @@
           </p:nvCxnSpPr>
           <p:spPr>
             <a:xfrm>
-              <a:off x="2777097" y="2869544"/>
-              <a:ext cx="3458199" cy="307605"/>
+              <a:off x="1851151" y="2741237"/>
+              <a:ext cx="4246232" cy="811790"/>
             </a:xfrm>
             <a:prstGeom prst="straightConnector1">
               <a:avLst/>
@@ -8374,13 +8419,15 @@
             </p:cNvPr>
             <p:cNvCxnSpPr>
               <a:cxnSpLocks/>
+              <a:stCxn id="68" idx="2"/>
+              <a:endCxn id="13" idx="1"/>
             </p:cNvCxnSpPr>
             <p:nvPr/>
           </p:nvCxnSpPr>
           <p:spPr>
             <a:xfrm>
-              <a:off x="2544767" y="1692395"/>
-              <a:ext cx="0" cy="697247"/>
+              <a:off x="1057446" y="2010087"/>
+              <a:ext cx="353520" cy="500318"/>
             </a:xfrm>
             <a:prstGeom prst="straightConnector1">
               <a:avLst/>
@@ -8786,7 +8833,7 @@
           </p:nvSpPr>
           <p:spPr>
             <a:xfrm>
-              <a:off x="5686988" y="3543957"/>
+              <a:off x="5549075" y="3919835"/>
               <a:ext cx="1167307" cy="246221"/>
             </a:xfrm>
             <a:prstGeom prst="rect">
@@ -8834,7 +8881,7 @@
           </p:nvSpPr>
           <p:spPr>
             <a:xfrm>
-              <a:off x="5689013" y="4110724"/>
+              <a:off x="5551100" y="4486602"/>
               <a:ext cx="1346817" cy="246221"/>
             </a:xfrm>
             <a:prstGeom prst="rect">
@@ -8920,10 +8967,10 @@
         </p:sp>
         <p:sp>
           <p:nvSpPr>
-            <p:cNvPr id="76" name="Rectangle 75">
-              <a:extLst>
-                <a:ext uri="{FF2B5EF4-FFF2-40B4-BE49-F238E27FC236}">
-                  <a16:creationId xmlns:a16="http://schemas.microsoft.com/office/drawing/2014/main" id="{6E607392-3A61-0048-B465-5926F6D3338C}"/>
+            <p:cNvPr id="79" name="Rectangle 78">
+              <a:extLst>
+                <a:ext uri="{FF2B5EF4-FFF2-40B4-BE49-F238E27FC236}">
+                  <a16:creationId xmlns:a16="http://schemas.microsoft.com/office/drawing/2014/main" id="{BCA66FC9-A086-D046-AFD4-9E8601D55747}"/>
                 </a:ext>
               </a:extLst>
             </p:cNvPr>
@@ -8932,7 +8979,7 @@
           </p:nvSpPr>
           <p:spPr>
             <a:xfrm>
-              <a:off x="4606395" y="3288966"/>
+              <a:off x="3527725" y="5641073"/>
               <a:ext cx="652759" cy="291017"/>
             </a:xfrm>
             <a:prstGeom prst="rect">
@@ -8972,17 +9019,22 @@
               <a:pPr algn="ctr"/>
               <a:r>
                 <a:rPr lang="en-US" sz="1200" b="1" dirty="0"/>
-                <a:t>STEP 4</a:t>
-              </a:r>
+                <a:t>STEP </a:t>
+              </a:r>
+              <a:r>
+                <a:rPr lang="en-US" sz="1200" b="1" dirty="0" smtClean="0"/>
+                <a:t>8</a:t>
+              </a:r>
+              <a:endParaRPr lang="en-US" sz="1200" b="1" dirty="0"/>
             </a:p>
           </p:txBody>
         </p:sp>
         <p:sp>
           <p:nvSpPr>
-            <p:cNvPr id="77" name="Rectangle 76">
-              <a:extLst>
-                <a:ext uri="{FF2B5EF4-FFF2-40B4-BE49-F238E27FC236}">
-                  <a16:creationId xmlns:a16="http://schemas.microsoft.com/office/drawing/2014/main" id="{49EFCA93-F7E9-8047-B369-AF802615F5C4}"/>
+            <p:cNvPr id="80" name="Rectangle 79">
+              <a:extLst>
+                <a:ext uri="{FF2B5EF4-FFF2-40B4-BE49-F238E27FC236}">
+                  <a16:creationId xmlns:a16="http://schemas.microsoft.com/office/drawing/2014/main" id="{6D07C517-0CC9-B641-83D0-33AD98D14E57}"/>
                 </a:ext>
               </a:extLst>
             </p:cNvPr>
@@ -8991,7 +9043,7 @@
           </p:nvSpPr>
           <p:spPr>
             <a:xfrm>
-              <a:off x="703251" y="4954912"/>
+              <a:off x="3522575" y="6192474"/>
               <a:ext cx="652759" cy="291017"/>
             </a:xfrm>
             <a:prstGeom prst="rect">
@@ -9031,17 +9083,22 @@
               <a:pPr algn="ctr"/>
               <a:r>
                 <a:rPr lang="en-US" sz="1200" b="1" dirty="0"/>
-                <a:t>STEP 5</a:t>
-              </a:r>
+                <a:t>STEP </a:t>
+              </a:r>
+              <a:r>
+                <a:rPr lang="en-US" sz="1200" b="1" dirty="0" smtClean="0"/>
+                <a:t>9</a:t>
+              </a:r>
+              <a:endParaRPr lang="en-US" sz="1200" b="1" dirty="0"/>
             </a:p>
           </p:txBody>
         </p:sp>
         <p:sp>
           <p:nvSpPr>
-            <p:cNvPr id="78" name="Rectangle 77">
-              <a:extLst>
-                <a:ext uri="{FF2B5EF4-FFF2-40B4-BE49-F238E27FC236}">
-                  <a16:creationId xmlns:a16="http://schemas.microsoft.com/office/drawing/2014/main" id="{82B0BBEC-D95F-DD42-BDDE-46057A9A6C08}"/>
+            <p:cNvPr id="81" name="Rectangle 80">
+              <a:extLst>
+                <a:ext uri="{FF2B5EF4-FFF2-40B4-BE49-F238E27FC236}">
+                  <a16:creationId xmlns:a16="http://schemas.microsoft.com/office/drawing/2014/main" id="{F9686B0E-065E-8D44-B3DA-2165BF559076}"/>
                 </a:ext>
               </a:extLst>
             </p:cNvPr>
@@ -9050,8 +9107,8 @@
           </p:nvSpPr>
           <p:spPr>
             <a:xfrm>
-              <a:off x="6006659" y="4678646"/>
-              <a:ext cx="652759" cy="291017"/>
+              <a:off x="5787519" y="1849402"/>
+              <a:ext cx="1063392" cy="291017"/>
             </a:xfrm>
             <a:prstGeom prst="rect">
               <a:avLst/>
@@ -9089,18 +9146,19 @@
             <a:p>
               <a:pPr algn="ctr"/>
               <a:r>
-                <a:rPr lang="en-US" sz="1200" b="1" dirty="0"/>
-                <a:t>STEP 6</a:t>
-              </a:r>
+                <a:rPr lang="en-US" sz="1200" b="1" dirty="0" smtClean="0"/>
+                <a:t>STEPS 3,4,5,6</a:t>
+              </a:r>
+              <a:endParaRPr lang="en-US" sz="1200" b="1" dirty="0"/>
             </a:p>
           </p:txBody>
         </p:sp>
         <p:sp>
           <p:nvSpPr>
-            <p:cNvPr id="79" name="Rectangle 78">
-              <a:extLst>
-                <a:ext uri="{FF2B5EF4-FFF2-40B4-BE49-F238E27FC236}">
-                  <a16:creationId xmlns:a16="http://schemas.microsoft.com/office/drawing/2014/main" id="{BCA66FC9-A086-D046-AFD4-9E8601D55747}"/>
+            <p:cNvPr id="86" name="Rectangle 85">
+              <a:extLst>
+                <a:ext uri="{FF2B5EF4-FFF2-40B4-BE49-F238E27FC236}">
+                  <a16:creationId xmlns:a16="http://schemas.microsoft.com/office/drawing/2014/main" id="{212C947B-C1BF-8C47-9C56-CD4162C8B8CB}"/>
                 </a:ext>
               </a:extLst>
             </p:cNvPr>
@@ -9109,7 +9167,7 @@
           </p:nvSpPr>
           <p:spPr>
             <a:xfrm>
-              <a:off x="3527725" y="5641073"/>
+              <a:off x="625194" y="2875867"/>
               <a:ext cx="652759" cy="291017"/>
             </a:xfrm>
             <a:prstGeom prst="rect">
@@ -9149,185 +9207,13 @@
               <a:pPr algn="ctr"/>
               <a:r>
                 <a:rPr lang="en-US" sz="1200" b="1" dirty="0"/>
-                <a:t>STEP 7</a:t>
-              </a:r>
-            </a:p>
-          </p:txBody>
-        </p:sp>
-        <p:sp>
-          <p:nvSpPr>
-            <p:cNvPr id="80" name="Rectangle 79">
-              <a:extLst>
-                <a:ext uri="{FF2B5EF4-FFF2-40B4-BE49-F238E27FC236}">
-                  <a16:creationId xmlns:a16="http://schemas.microsoft.com/office/drawing/2014/main" id="{6D07C517-0CC9-B641-83D0-33AD98D14E57}"/>
-                </a:ext>
-              </a:extLst>
-            </p:cNvPr>
-            <p:cNvSpPr/>
-            <p:nvPr/>
-          </p:nvSpPr>
-          <p:spPr>
-            <a:xfrm>
-              <a:off x="3522575" y="6192474"/>
-              <a:ext cx="652759" cy="291017"/>
-            </a:xfrm>
-            <a:prstGeom prst="rect">
-              <a:avLst/>
-            </a:prstGeom>
-            <a:solidFill>
-              <a:schemeClr val="accent2"/>
-            </a:solidFill>
-            <a:ln>
-              <a:solidFill>
-                <a:schemeClr val="accent2">
-                  <a:lumMod val="50000"/>
-                </a:schemeClr>
-              </a:solidFill>
-            </a:ln>
-          </p:spPr>
-          <p:style>
-            <a:lnRef idx="2">
-              <a:schemeClr val="accent1">
-                <a:shade val="50000"/>
-              </a:schemeClr>
-            </a:lnRef>
-            <a:fillRef idx="1">
-              <a:schemeClr val="accent1"/>
-            </a:fillRef>
-            <a:effectRef idx="0">
-              <a:schemeClr val="accent1"/>
-            </a:effectRef>
-            <a:fontRef idx="minor">
-              <a:schemeClr val="lt1"/>
-            </a:fontRef>
-          </p:style>
-          <p:txBody>
-            <a:bodyPr rtlCol="0" anchor="ctr"/>
-            <a:lstStyle/>
-            <a:p>
-              <a:pPr algn="ctr"/>
-              <a:r>
-                <a:rPr lang="en-US" sz="1200" b="1" dirty="0"/>
-                <a:t>STEP 8</a:t>
-              </a:r>
-            </a:p>
-          </p:txBody>
-        </p:sp>
-        <p:sp>
-          <p:nvSpPr>
-            <p:cNvPr id="81" name="Rectangle 80">
-              <a:extLst>
-                <a:ext uri="{FF2B5EF4-FFF2-40B4-BE49-F238E27FC236}">
-                  <a16:creationId xmlns:a16="http://schemas.microsoft.com/office/drawing/2014/main" id="{F9686B0E-065E-8D44-B3DA-2165BF559076}"/>
-                </a:ext>
-              </a:extLst>
-            </p:cNvPr>
-            <p:cNvSpPr/>
-            <p:nvPr/>
-          </p:nvSpPr>
-          <p:spPr>
-            <a:xfrm>
-              <a:off x="5686808" y="1500434"/>
-              <a:ext cx="652759" cy="291017"/>
-            </a:xfrm>
-            <a:prstGeom prst="rect">
-              <a:avLst/>
-            </a:prstGeom>
-            <a:solidFill>
-              <a:schemeClr val="accent2"/>
-            </a:solidFill>
-            <a:ln>
-              <a:solidFill>
-                <a:schemeClr val="accent2">
-                  <a:lumMod val="50000"/>
-                </a:schemeClr>
-              </a:solidFill>
-            </a:ln>
-          </p:spPr>
-          <p:style>
-            <a:lnRef idx="2">
-              <a:schemeClr val="accent1">
-                <a:shade val="50000"/>
-              </a:schemeClr>
-            </a:lnRef>
-            <a:fillRef idx="1">
-              <a:schemeClr val="accent1"/>
-            </a:fillRef>
-            <a:effectRef idx="0">
-              <a:schemeClr val="accent1"/>
-            </a:effectRef>
-            <a:fontRef idx="minor">
-              <a:schemeClr val="lt1"/>
-            </a:fontRef>
-          </p:style>
-          <p:txBody>
-            <a:bodyPr rtlCol="0" anchor="ctr"/>
-            <a:lstStyle/>
-            <a:p>
-              <a:pPr algn="ctr"/>
-              <a:r>
-                <a:rPr lang="en-US" sz="1200" b="1" dirty="0"/>
-                <a:t>STEP 2</a:t>
-              </a:r>
-            </a:p>
-          </p:txBody>
-        </p:sp>
-        <p:sp>
-          <p:nvSpPr>
-            <p:cNvPr id="86" name="Rectangle 85">
-              <a:extLst>
-                <a:ext uri="{FF2B5EF4-FFF2-40B4-BE49-F238E27FC236}">
-                  <a16:creationId xmlns:a16="http://schemas.microsoft.com/office/drawing/2014/main" id="{212C947B-C1BF-8C47-9C56-CD4162C8B8CB}"/>
-                </a:ext>
-              </a:extLst>
-            </p:cNvPr>
-            <p:cNvSpPr/>
-            <p:nvPr/>
-          </p:nvSpPr>
-          <p:spPr>
-            <a:xfrm>
-              <a:off x="703252" y="3028647"/>
-              <a:ext cx="652759" cy="291017"/>
-            </a:xfrm>
-            <a:prstGeom prst="rect">
-              <a:avLst/>
-            </a:prstGeom>
-            <a:solidFill>
-              <a:schemeClr val="accent2"/>
-            </a:solidFill>
-            <a:ln>
-              <a:solidFill>
-                <a:schemeClr val="accent2">
-                  <a:lumMod val="50000"/>
-                </a:schemeClr>
-              </a:solidFill>
-            </a:ln>
-          </p:spPr>
-          <p:style>
-            <a:lnRef idx="2">
-              <a:schemeClr val="accent1">
-                <a:shade val="50000"/>
-              </a:schemeClr>
-            </a:lnRef>
-            <a:fillRef idx="1">
-              <a:schemeClr val="accent1"/>
-            </a:fillRef>
-            <a:effectRef idx="0">
-              <a:schemeClr val="accent1"/>
-            </a:effectRef>
-            <a:fontRef idx="minor">
-              <a:schemeClr val="lt1"/>
-            </a:fontRef>
-          </p:style>
-          <p:txBody>
-            <a:bodyPr rtlCol="0" anchor="ctr"/>
-            <a:lstStyle/>
-            <a:p>
-              <a:pPr algn="ctr"/>
-              <a:r>
-                <a:rPr lang="en-US" sz="1200" b="1" dirty="0"/>
-                <a:t>STEP 3</a:t>
-              </a:r>
+                <a:t>STEP </a:t>
+              </a:r>
+              <a:r>
+                <a:rPr lang="en-US" sz="1200" b="1" dirty="0" smtClean="0"/>
+                <a:t>7</a:t>
+              </a:r>
+              <a:endParaRPr lang="en-US" sz="1200" b="1" dirty="0"/>
             </a:p>
           </p:txBody>
         </p:sp>
@@ -9342,59 +9228,13 @@
             </p:cNvPr>
             <p:cNvCxnSpPr>
               <a:cxnSpLocks/>
-              <a:endCxn id="81" idx="1"/>
             </p:cNvCxnSpPr>
             <p:nvPr/>
           </p:nvCxnSpPr>
           <p:spPr>
             <a:xfrm>
-              <a:off x="5032633" y="1645943"/>
+              <a:off x="5244065" y="1990782"/>
               <a:ext cx="654175" cy="0"/>
-            </a:xfrm>
-            <a:prstGeom prst="line">
-              <a:avLst/>
-            </a:prstGeom>
-            <a:ln w="19050">
-              <a:solidFill>
-                <a:schemeClr val="accent2"/>
-              </a:solidFill>
-              <a:prstDash val="sysDash"/>
-            </a:ln>
-          </p:spPr>
-          <p:style>
-            <a:lnRef idx="1">
-              <a:schemeClr val="accent1"/>
-            </a:lnRef>
-            <a:fillRef idx="0">
-              <a:schemeClr val="accent1"/>
-            </a:fillRef>
-            <a:effectRef idx="0">
-              <a:schemeClr val="accent1"/>
-            </a:effectRef>
-            <a:fontRef idx="minor">
-              <a:schemeClr val="tx1"/>
-            </a:fontRef>
-          </p:style>
-        </p:cxnSp>
-        <p:cxnSp>
-          <p:nvCxnSpPr>
-            <p:cNvPr id="95" name="Straight Connector 94">
-              <a:extLst>
-                <a:ext uri="{FF2B5EF4-FFF2-40B4-BE49-F238E27FC236}">
-                  <a16:creationId xmlns:a16="http://schemas.microsoft.com/office/drawing/2014/main" id="{29EC5021-2907-B447-80F7-543C28EA1A82}"/>
-                </a:ext>
-              </a:extLst>
-            </p:cNvPr>
-            <p:cNvCxnSpPr>
-              <a:cxnSpLocks/>
-              <a:stCxn id="76" idx="1"/>
-            </p:cNvCxnSpPr>
-            <p:nvPr/>
-          </p:nvCxnSpPr>
-          <p:spPr>
-            <a:xfrm flipH="1">
-              <a:off x="4156155" y="3434475"/>
-              <a:ext cx="450240" cy="179785"/>
             </a:xfrm>
             <a:prstGeom prst="line">
               <a:avLst/>
@@ -9435,7 +9275,7 @@
           </p:nvSpPr>
           <p:spPr>
             <a:xfrm>
-              <a:off x="5787519" y="3828317"/>
+              <a:off x="5649606" y="4204195"/>
               <a:ext cx="1221670" cy="291017"/>
             </a:xfrm>
             <a:prstGeom prst="foldedCorner">
@@ -9536,13 +9376,14 @@
             </p:cNvPr>
             <p:cNvCxnSpPr>
               <a:cxnSpLocks/>
+              <a:endCxn id="79" idx="0"/>
             </p:cNvCxnSpPr>
             <p:nvPr/>
           </p:nvCxnSpPr>
           <p:spPr>
-            <a:xfrm>
-              <a:off x="6320414" y="4303212"/>
-              <a:ext cx="0" cy="344852"/>
+            <a:xfrm flipH="1">
+              <a:off x="3854105" y="4679090"/>
+              <a:ext cx="2328396" cy="961983"/>
             </a:xfrm>
             <a:prstGeom prst="straightConnector1">
               <a:avLst/>
@@ -9681,69 +9522,24 @@
         </p:sp>
         <p:cxnSp>
           <p:nvCxnSpPr>
-            <p:cNvPr id="122" name="Straight Connector 121">
-              <a:extLst>
-                <a:ext uri="{FF2B5EF4-FFF2-40B4-BE49-F238E27FC236}">
-                  <a16:creationId xmlns:a16="http://schemas.microsoft.com/office/drawing/2014/main" id="{5185CABD-F5A5-3545-AF6C-8A5A4315BF24}"/>
+            <p:cNvPr id="128" name="Straight Connector 127">
+              <a:extLst>
+                <a:ext uri="{FF2B5EF4-FFF2-40B4-BE49-F238E27FC236}">
+                  <a16:creationId xmlns:a16="http://schemas.microsoft.com/office/drawing/2014/main" id="{D09EF7D7-7B80-9045-8B56-8A881D8DE4B2}"/>
                 </a:ext>
               </a:extLst>
             </p:cNvPr>
             <p:cNvCxnSpPr>
               <a:cxnSpLocks/>
-              <a:endCxn id="77" idx="0"/>
-            </p:cNvCxnSpPr>
-            <p:nvPr/>
-          </p:nvCxnSpPr>
-          <p:spPr>
-            <a:xfrm>
-              <a:off x="745672" y="4678646"/>
-              <a:ext cx="283959" cy="276266"/>
-            </a:xfrm>
-            <a:prstGeom prst="line">
-              <a:avLst/>
-            </a:prstGeom>
-            <a:ln w="19050">
-              <a:solidFill>
-                <a:schemeClr val="accent2"/>
-              </a:solidFill>
-              <a:prstDash val="sysDash"/>
-            </a:ln>
-          </p:spPr>
-          <p:style>
-            <a:lnRef idx="1">
-              <a:schemeClr val="accent1"/>
-            </a:lnRef>
-            <a:fillRef idx="0">
-              <a:schemeClr val="accent1"/>
-            </a:fillRef>
-            <a:effectRef idx="0">
-              <a:schemeClr val="accent1"/>
-            </a:effectRef>
-            <a:fontRef idx="minor">
-              <a:schemeClr val="tx1"/>
-            </a:fontRef>
-          </p:style>
-        </p:cxnSp>
-        <p:cxnSp>
-          <p:nvCxnSpPr>
-            <p:cNvPr id="128" name="Straight Connector 127">
-              <a:extLst>
-                <a:ext uri="{FF2B5EF4-FFF2-40B4-BE49-F238E27FC236}">
-                  <a16:creationId xmlns:a16="http://schemas.microsoft.com/office/drawing/2014/main" id="{D09EF7D7-7B80-9045-8B56-8A881D8DE4B2}"/>
-                </a:ext>
-              </a:extLst>
-            </p:cNvPr>
-            <p:cNvCxnSpPr>
-              <a:cxnSpLocks/>
-              <a:stCxn id="79" idx="3"/>
+              <a:stCxn id="80" idx="3"/>
               <a:endCxn id="1026" idx="1"/>
             </p:cNvCxnSpPr>
             <p:nvPr/>
           </p:nvCxnSpPr>
           <p:spPr>
             <a:xfrm>
-              <a:off x="4180484" y="5786582"/>
-              <a:ext cx="498619" cy="387801"/>
+              <a:off x="4175334" y="6337983"/>
+              <a:ext cx="459855" cy="126527"/>
             </a:xfrm>
             <a:prstGeom prst="line">
               <a:avLst/>
@@ -9839,7 +9635,7 @@
           </p:blipFill>
           <p:spPr bwMode="auto">
             <a:xfrm>
-              <a:off x="4679103" y="6011710"/>
+              <a:off x="4635189" y="6301837"/>
               <a:ext cx="1073234" cy="325346"/>
             </a:xfrm>
             <a:prstGeom prst="rect">
@@ -9884,7 +9680,7 @@
           </p:blipFill>
           <p:spPr bwMode="auto">
             <a:xfrm>
-              <a:off x="4700905" y="5610750"/>
+              <a:off x="4656991" y="5900877"/>
               <a:ext cx="1504047" cy="337175"/>
             </a:xfrm>
             <a:prstGeom prst="rect">
@@ -10093,14 +9889,15 @@
             </p:cNvPr>
             <p:cNvCxnSpPr>
               <a:cxnSpLocks/>
-              <a:endCxn id="11" idx="1"/>
+              <a:stCxn id="68" idx="2"/>
+              <a:endCxn id="6" idx="1"/>
             </p:cNvCxnSpPr>
             <p:nvPr/>
           </p:nvCxnSpPr>
           <p:spPr>
             <a:xfrm>
-              <a:off x="2708091" y="1688037"/>
-              <a:ext cx="858781" cy="305613"/>
+              <a:off x="1057446" y="2010087"/>
+              <a:ext cx="2153054" cy="330769"/>
             </a:xfrm>
             <a:prstGeom prst="straightConnector1">
               <a:avLst/>
@@ -10182,8 +9979,8 @@
           </p:nvSpPr>
           <p:spPr>
             <a:xfrm>
-              <a:off x="570149" y="402102"/>
-              <a:ext cx="6632104" cy="6610049"/>
+              <a:off x="570148" y="402102"/>
+              <a:ext cx="7074235" cy="6610049"/>
             </a:xfrm>
             <a:prstGeom prst="rect">
               <a:avLst/>
@@ -10259,8 +10056,8 @@
           </p:nvSpPr>
           <p:spPr>
             <a:xfrm>
-              <a:off x="712899" y="1380325"/>
-              <a:ext cx="2618046" cy="291017"/>
+              <a:off x="725039" y="1354925"/>
+              <a:ext cx="1481714" cy="291017"/>
             </a:xfrm>
             <a:prstGeom prst="rect">
               <a:avLst/>
@@ -10300,17 +10097,17 @@
                   <a:latin typeface="Courier New" panose="02070309020205020404" pitchFamily="49" charset="0"/>
                   <a:cs typeface="Courier New" panose="02070309020205020404" pitchFamily="49" charset="0"/>
                 </a:rPr>
-                <a:t>mic encapsulate step1 </a:t>
-              </a:r>
-              <a:r>
-                <a:rPr lang="en-US" sz="800" dirty="0" err="1">
+                <a:t>mic encapsulate </a:t>
+              </a:r>
+              <a:r>
+                <a:rPr lang="en-US" sz="800" dirty="0" smtClean="0">
                   <a:solidFill>
                     <a:schemeClr val="bg1"/>
                   </a:solidFill>
                   <a:latin typeface="Courier New" panose="02070309020205020404" pitchFamily="49" charset="0"/>
                   <a:cs typeface="Courier New" panose="02070309020205020404" pitchFamily="49" charset="0"/>
                 </a:rPr>
-                <a:t>hydro_baro_precip</a:t>
+                <a:t>start</a:t>
               </a:r>
               <a:endParaRPr lang="en-US" sz="800" dirty="0">
                 <a:solidFill>
@@ -10610,46 +10407,7 @@
         </p:sp>
         <p:cxnSp>
           <p:nvCxnSpPr>
-            <p:cNvPr id="106" name="Elbow Connector 105"/>
-            <p:cNvCxnSpPr>
-              <a:stCxn id="45" idx="2"/>
-              <a:endCxn id="78" idx="1"/>
-            </p:cNvCxnSpPr>
-            <p:nvPr/>
-          </p:nvCxnSpPr>
-          <p:spPr>
-            <a:xfrm rot="5400000" flipH="1" flipV="1">
-              <a:off x="3879615" y="2739691"/>
-              <a:ext cx="42580" cy="4211507"/>
-            </a:xfrm>
-            <a:prstGeom prst="bentConnector4">
-              <a:avLst>
-                <a:gd name="adj1" fmla="val -697938"/>
-                <a:gd name="adj2" fmla="val 64065"/>
-              </a:avLst>
-            </a:prstGeom>
-            <a:ln>
-              <a:tailEnd type="triangle"/>
-            </a:ln>
-          </p:spPr>
-          <p:style>
-            <a:lnRef idx="1">
-              <a:schemeClr val="accent1"/>
-            </a:lnRef>
-            <a:fillRef idx="0">
-              <a:schemeClr val="accent1"/>
-            </a:fillRef>
-            <a:effectRef idx="0">
-              <a:schemeClr val="accent1"/>
-            </a:effectRef>
-            <a:fontRef idx="minor">
-              <a:schemeClr val="tx1"/>
-            </a:fontRef>
-          </p:style>
-        </p:cxnSp>
-        <p:cxnSp>
-          <p:nvCxnSpPr>
-            <p:cNvPr id="146" name="Straight Arrow Connector 145">
+            <p:cNvPr id="154" name="Straight Arrow Connector 153">
               <a:extLst>
                 <a:ext uri="{FF2B5EF4-FFF2-40B4-BE49-F238E27FC236}">
                   <a16:creationId xmlns:a16="http://schemas.microsoft.com/office/drawing/2014/main" id="{CDB4AC00-1575-DE49-B9B6-71868CE07A9E}"/>
@@ -10658,57 +10416,15 @@
             </p:cNvPr>
             <p:cNvCxnSpPr>
               <a:cxnSpLocks/>
-              <a:stCxn id="78" idx="2"/>
+              <a:stCxn id="45" idx="2"/>
               <a:endCxn id="79" idx="0"/>
             </p:cNvCxnSpPr>
             <p:nvPr/>
           </p:nvCxnSpPr>
           <p:spPr>
-            <a:xfrm flipH="1">
-              <a:off x="3854105" y="4969663"/>
-              <a:ext cx="2478934" cy="671410"/>
-            </a:xfrm>
-            <a:prstGeom prst="straightConnector1">
-              <a:avLst/>
-            </a:prstGeom>
-            <a:ln>
-              <a:tailEnd type="triangle"/>
-            </a:ln>
-          </p:spPr>
-          <p:style>
-            <a:lnRef idx="1">
-              <a:schemeClr val="accent1"/>
-            </a:lnRef>
-            <a:fillRef idx="0">
-              <a:schemeClr val="accent1"/>
-            </a:fillRef>
-            <a:effectRef idx="0">
-              <a:schemeClr val="accent1"/>
-            </a:effectRef>
-            <a:fontRef idx="minor">
-              <a:schemeClr val="tx1"/>
-            </a:fontRef>
-          </p:style>
-        </p:cxnSp>
-        <p:cxnSp>
-          <p:nvCxnSpPr>
-            <p:cNvPr id="154" name="Straight Arrow Connector 153">
-              <a:extLst>
-                <a:ext uri="{FF2B5EF4-FFF2-40B4-BE49-F238E27FC236}">
-                  <a16:creationId xmlns:a16="http://schemas.microsoft.com/office/drawing/2014/main" id="{CDB4AC00-1575-DE49-B9B6-71868CE07A9E}"/>
-                </a:ext>
-              </a:extLst>
-            </p:cNvPr>
-            <p:cNvCxnSpPr>
-              <a:cxnSpLocks/>
-              <a:endCxn id="79" idx="0"/>
-            </p:cNvCxnSpPr>
-            <p:nvPr/>
-          </p:nvCxnSpPr>
-          <p:spPr>
-            <a:xfrm>
-              <a:off x="1804060" y="5160837"/>
-              <a:ext cx="2050045" cy="480236"/>
+            <a:xfrm>
+              <a:off x="1795152" y="4866735"/>
+              <a:ext cx="2058953" cy="774338"/>
             </a:xfrm>
             <a:prstGeom prst="straightConnector1">
               <a:avLst/>
@@ -10743,15 +10459,15 @@
             </p:cNvPr>
             <p:cNvCxnSpPr>
               <a:cxnSpLocks/>
-              <a:stCxn id="79" idx="3"/>
+              <a:stCxn id="80" idx="3"/>
               <a:endCxn id="1028" idx="1"/>
             </p:cNvCxnSpPr>
             <p:nvPr/>
           </p:nvCxnSpPr>
           <p:spPr>
             <a:xfrm flipV="1">
-              <a:off x="4180484" y="5779338"/>
-              <a:ext cx="520421" cy="7244"/>
+              <a:off x="4175334" y="6069465"/>
+              <a:ext cx="481657" cy="268518"/>
             </a:xfrm>
             <a:prstGeom prst="line">
               <a:avLst/>
@@ -10795,8 +10511,8 @@
           </p:nvCxnSpPr>
           <p:spPr>
             <a:xfrm>
-              <a:off x="1029632" y="3319664"/>
-              <a:ext cx="69715" cy="70405"/>
+              <a:off x="951574" y="3166884"/>
+              <a:ext cx="0" cy="231635"/>
             </a:xfrm>
             <a:prstGeom prst="line">
               <a:avLst/>
@@ -10841,8 +10557,8 @@
           </p:nvCxnSpPr>
           <p:spPr>
             <a:xfrm flipH="1">
-              <a:off x="1383825" y="1671342"/>
-              <a:ext cx="638097" cy="193237"/>
+              <a:off x="1383825" y="1645942"/>
+              <a:ext cx="82071" cy="218637"/>
             </a:xfrm>
             <a:prstGeom prst="line">
               <a:avLst/>
@@ -10883,7 +10599,7 @@
           </p:nvSpPr>
           <p:spPr>
             <a:xfrm>
-              <a:off x="1267687" y="5603190"/>
+              <a:off x="1016959" y="5188173"/>
               <a:ext cx="1075936" cy="246221"/>
             </a:xfrm>
             <a:prstGeom prst="rect">
@@ -10927,7 +10643,7 @@
           </p:nvSpPr>
           <p:spPr>
             <a:xfrm>
-              <a:off x="1356011" y="5402733"/>
+              <a:off x="1105283" y="4987716"/>
               <a:ext cx="455778" cy="221601"/>
             </a:xfrm>
             <a:prstGeom prst="foldedCorner">
@@ -11023,9 +10739,314 @@
             </a:p>
           </p:txBody>
         </p:sp>
+        <p:sp>
+          <p:nvSpPr>
+            <p:cNvPr id="93" name="TextBox 92">
+              <a:extLst>
+                <a:ext uri="{FF2B5EF4-FFF2-40B4-BE49-F238E27FC236}">
+                  <a16:creationId xmlns:a16="http://schemas.microsoft.com/office/drawing/2014/main" id="{2BBA8C60-5D5C-5748-BA8C-885D8457F948}"/>
+                </a:ext>
+              </a:extLst>
+            </p:cNvPr>
+            <p:cNvSpPr txBox="1"/>
+            <p:nvPr/>
+          </p:nvSpPr>
+          <p:spPr>
+            <a:xfrm>
+              <a:off x="2226680" y="5616044"/>
+              <a:ext cx="1325812" cy="461665"/>
+            </a:xfrm>
+            <a:prstGeom prst="rect">
+              <a:avLst/>
+            </a:prstGeom>
+            <a:noFill/>
+          </p:spPr>
+          <p:txBody>
+            <a:bodyPr wrap="none" rtlCol="0">
+              <a:spAutoFit/>
+            </a:bodyPr>
+            <a:lstStyle/>
+            <a:p>
+              <a:r>
+                <a:rPr lang="en-US" sz="1200" b="1" dirty="0" smtClean="0">
+                  <a:solidFill>
+                    <a:schemeClr val="accent1"/>
+                  </a:solidFill>
+                </a:rPr>
+                <a:t>Test MIC Wrapper</a:t>
+              </a:r>
+              <a:br>
+                <a:rPr lang="en-US" sz="1200" b="1" dirty="0" smtClean="0">
+                  <a:solidFill>
+                    <a:schemeClr val="accent1"/>
+                  </a:solidFill>
+                </a:rPr>
+              </a:br>
+              <a:r>
+                <a:rPr lang="en-US" sz="1200" b="1" dirty="0" smtClean="0">
+                  <a:solidFill>
+                    <a:schemeClr val="accent1"/>
+                  </a:solidFill>
+                </a:rPr>
+                <a:t>(run)</a:t>
+              </a:r>
+              <a:endParaRPr lang="en-US" sz="1200" b="1" dirty="0">
+                <a:solidFill>
+                  <a:schemeClr val="accent1"/>
+                </a:solidFill>
+              </a:endParaRPr>
+            </a:p>
+          </p:txBody>
+        </p:sp>
+        <p:sp>
+          <p:nvSpPr>
+            <p:cNvPr id="99" name="Rectangle 98">
+              <a:extLst>
+                <a:ext uri="{FF2B5EF4-FFF2-40B4-BE49-F238E27FC236}">
+                  <a16:creationId xmlns:a16="http://schemas.microsoft.com/office/drawing/2014/main" id="{F9686B0E-065E-8D44-B3DA-2165BF559076}"/>
+                </a:ext>
+              </a:extLst>
+            </p:cNvPr>
+            <p:cNvSpPr/>
+            <p:nvPr/>
+          </p:nvSpPr>
+          <p:spPr>
+            <a:xfrm>
+              <a:off x="1983505" y="1742482"/>
+              <a:ext cx="652759" cy="291017"/>
+            </a:xfrm>
+            <a:prstGeom prst="rect">
+              <a:avLst/>
+            </a:prstGeom>
+            <a:solidFill>
+              <a:schemeClr val="accent2"/>
+            </a:solidFill>
+            <a:ln>
+              <a:solidFill>
+                <a:schemeClr val="accent2">
+                  <a:lumMod val="50000"/>
+                </a:schemeClr>
+              </a:solidFill>
+            </a:ln>
+          </p:spPr>
+          <p:style>
+            <a:lnRef idx="2">
+              <a:schemeClr val="accent1">
+                <a:shade val="50000"/>
+              </a:schemeClr>
+            </a:lnRef>
+            <a:fillRef idx="1">
+              <a:schemeClr val="accent1"/>
+            </a:fillRef>
+            <a:effectRef idx="0">
+              <a:schemeClr val="accent1"/>
+            </a:effectRef>
+            <a:fontRef idx="minor">
+              <a:schemeClr val="lt1"/>
+            </a:fontRef>
+          </p:style>
+          <p:txBody>
+            <a:bodyPr rtlCol="0" anchor="ctr"/>
+            <a:lstStyle/>
+            <a:p>
+              <a:pPr algn="ctr"/>
+              <a:r>
+                <a:rPr lang="en-US" sz="1200" b="1" dirty="0" smtClean="0"/>
+                <a:t>STEP 2</a:t>
+              </a:r>
+              <a:endParaRPr lang="en-US" sz="1200" b="1" dirty="0"/>
+            </a:p>
+          </p:txBody>
+        </p:sp>
+        <p:sp>
+          <p:nvSpPr>
+            <p:cNvPr id="100" name="Rectangle 99">
+              <a:extLst>
+                <a:ext uri="{FF2B5EF4-FFF2-40B4-BE49-F238E27FC236}">
+                  <a16:creationId xmlns:a16="http://schemas.microsoft.com/office/drawing/2014/main" id="{90FCFE24-557B-D44D-BBB7-826653B6BF99}"/>
+                </a:ext>
+              </a:extLst>
+            </p:cNvPr>
+            <p:cNvSpPr/>
+            <p:nvPr/>
+          </p:nvSpPr>
+          <p:spPr>
+            <a:xfrm>
+              <a:off x="2663911" y="1364244"/>
+              <a:ext cx="3306430" cy="291017"/>
+            </a:xfrm>
+            <a:prstGeom prst="rect">
+              <a:avLst/>
+            </a:prstGeom>
+            <a:solidFill>
+              <a:schemeClr val="tx1"/>
+            </a:solidFill>
+            <a:ln>
+              <a:noFill/>
+            </a:ln>
+          </p:spPr>
+          <p:style>
+            <a:lnRef idx="2">
+              <a:schemeClr val="accent1">
+                <a:shade val="50000"/>
+              </a:schemeClr>
+            </a:lnRef>
+            <a:fillRef idx="1">
+              <a:schemeClr val="accent1"/>
+            </a:fillRef>
+            <a:effectRef idx="0">
+              <a:schemeClr val="accent1"/>
+            </a:effectRef>
+            <a:fontRef idx="minor">
+              <a:schemeClr val="lt1"/>
+            </a:fontRef>
+          </p:style>
+          <p:txBody>
+            <a:bodyPr rtlCol="0" anchor="ctr"/>
+            <a:lstStyle/>
+            <a:p>
+              <a:r>
+                <a:rPr lang="en-US" sz="800" dirty="0">
+                  <a:solidFill>
+                    <a:schemeClr val="bg1"/>
+                  </a:solidFill>
+                  <a:latin typeface="Courier New" panose="02070309020205020404" pitchFamily="49" charset="0"/>
+                  <a:cs typeface="Courier New" panose="02070309020205020404" pitchFamily="49" charset="0"/>
+                </a:rPr>
+                <a:t>mic encapsulate </a:t>
+              </a:r>
+              <a:r>
+                <a:rPr lang="en-US" sz="800" dirty="0" smtClean="0">
+                  <a:solidFill>
+                    <a:schemeClr val="bg1"/>
+                  </a:solidFill>
+                  <a:latin typeface="Courier New" panose="02070309020205020404" pitchFamily="49" charset="0"/>
+                  <a:cs typeface="Courier New" panose="02070309020205020404" pitchFamily="49" charset="0"/>
+                </a:rPr>
+                <a:t>trace </a:t>
+              </a:r>
+              <a:r>
+                <a:rPr lang="en-US" sz="800" dirty="0" err="1" smtClean="0">
+                  <a:solidFill>
+                    <a:schemeClr val="bg1"/>
+                  </a:solidFill>
+                  <a:latin typeface="Courier New" panose="02070309020205020404" pitchFamily="49" charset="0"/>
+                  <a:cs typeface="Courier New" panose="02070309020205020404" pitchFamily="49" charset="0"/>
+                </a:rPr>
+                <a:t>myModel</a:t>
+              </a:r>
+              <a:r>
+                <a:rPr lang="en-US" sz="800" dirty="0" smtClean="0">
+                  <a:solidFill>
+                    <a:schemeClr val="bg1"/>
+                  </a:solidFill>
+                  <a:latin typeface="Courier New" panose="02070309020205020404" pitchFamily="49" charset="0"/>
+                  <a:cs typeface="Courier New" panose="02070309020205020404" pitchFamily="49" charset="0"/>
+                </a:rPr>
+                <a:t> –</a:t>
+              </a:r>
+              <a:r>
+                <a:rPr lang="en-US" sz="800" dirty="0" err="1" smtClean="0">
+                  <a:solidFill>
+                    <a:schemeClr val="bg1"/>
+                  </a:solidFill>
+                  <a:latin typeface="Courier New" panose="02070309020205020404" pitchFamily="49" charset="0"/>
+                  <a:cs typeface="Courier New" panose="02070309020205020404" pitchFamily="49" charset="0"/>
+                </a:rPr>
+                <a:t>i</a:t>
+              </a:r>
+              <a:r>
+                <a:rPr lang="en-US" sz="800" dirty="0" smtClean="0">
+                  <a:solidFill>
+                    <a:schemeClr val="bg1"/>
+                  </a:solidFill>
+                  <a:latin typeface="Courier New" panose="02070309020205020404" pitchFamily="49" charset="0"/>
+                  <a:cs typeface="Courier New" panose="02070309020205020404" pitchFamily="49" charset="0"/>
+                </a:rPr>
+                <a:t> </a:t>
+              </a:r>
+              <a:r>
+                <a:rPr lang="en-US" sz="800" dirty="0" err="1" smtClean="0">
+                  <a:solidFill>
+                    <a:schemeClr val="bg1"/>
+                  </a:solidFill>
+                  <a:latin typeface="Courier New" panose="02070309020205020404" pitchFamily="49" charset="0"/>
+                  <a:cs typeface="Courier New" panose="02070309020205020404" pitchFamily="49" charset="0"/>
+                </a:rPr>
+                <a:t>inputDataset.tsv</a:t>
+              </a:r>
+              <a:endParaRPr lang="en-US" sz="800" dirty="0" smtClean="0">
+                <a:solidFill>
+                  <a:schemeClr val="bg1"/>
+                </a:solidFill>
+                <a:latin typeface="Courier New" panose="02070309020205020404" pitchFamily="49" charset="0"/>
+                <a:cs typeface="Courier New" panose="02070309020205020404" pitchFamily="49" charset="0"/>
+              </a:endParaRPr>
+            </a:p>
+          </p:txBody>
+        </p:sp>
+        <p:sp>
+          <p:nvSpPr>
+            <p:cNvPr id="104" name="TextBox 103">
+              <a:extLst>
+                <a:ext uri="{FF2B5EF4-FFF2-40B4-BE49-F238E27FC236}">
+                  <a16:creationId xmlns:a16="http://schemas.microsoft.com/office/drawing/2014/main" id="{99177A8C-2EF0-4041-89E8-29D922985DBA}"/>
+                </a:ext>
+              </a:extLst>
+            </p:cNvPr>
+            <p:cNvSpPr txBox="1"/>
+            <p:nvPr/>
+          </p:nvSpPr>
+          <p:spPr>
+            <a:xfrm>
+              <a:off x="5973553" y="1226079"/>
+              <a:ext cx="1482685" cy="646331"/>
+            </a:xfrm>
+            <a:prstGeom prst="rect">
+              <a:avLst/>
+            </a:prstGeom>
+            <a:noFill/>
+          </p:spPr>
+          <p:txBody>
+            <a:bodyPr wrap="square" rtlCol="0">
+              <a:spAutoFit/>
+            </a:bodyPr>
+            <a:lstStyle/>
+            <a:p>
+              <a:r>
+                <a:rPr lang="en-US" sz="1200" b="1" dirty="0" smtClean="0">
+                  <a:solidFill>
+                    <a:schemeClr val="accent1"/>
+                  </a:solidFill>
+                </a:rPr>
+                <a:t>Trace command,</a:t>
+              </a:r>
+              <a:br>
+                <a:rPr lang="en-US" sz="1200" b="1" dirty="0" smtClean="0">
+                  <a:solidFill>
+                    <a:schemeClr val="accent1"/>
+                  </a:solidFill>
+                </a:rPr>
+              </a:br>
+              <a:r>
+                <a:rPr lang="en-US" sz="1200" b="1" dirty="0" smtClean="0">
+                  <a:solidFill>
+                    <a:schemeClr val="accent1"/>
+                  </a:solidFill>
+                </a:rPr>
+                <a:t>install missing dependencies</a:t>
+              </a:r>
+              <a:endParaRPr lang="en-US" sz="1200" b="1" dirty="0">
+                <a:solidFill>
+                  <a:schemeClr val="accent1"/>
+                </a:solidFill>
+              </a:endParaRPr>
+            </a:p>
+          </p:txBody>
+        </p:sp>
         <p:cxnSp>
           <p:nvCxnSpPr>
-            <p:cNvPr id="92" name="Straight Connector 91">
+            <p:cNvPr id="105" name="Straight Connector 104">
               <a:extLst>
                 <a:ext uri="{FF2B5EF4-FFF2-40B4-BE49-F238E27FC236}">
                   <a16:creationId xmlns:a16="http://schemas.microsoft.com/office/drawing/2014/main" id="{5185CABD-F5A5-3545-AF6C-8A5A4315BF24}"/>
@@ -11034,15 +11055,14 @@
             </p:cNvPr>
             <p:cNvCxnSpPr>
               <a:cxnSpLocks/>
-              <a:stCxn id="77" idx="2"/>
-              <a:endCxn id="83" idx="0"/>
+              <a:endCxn id="99" idx="3"/>
             </p:cNvCxnSpPr>
             <p:nvPr/>
           </p:nvCxnSpPr>
           <p:spPr>
-            <a:xfrm>
-              <a:off x="1029631" y="5245929"/>
-              <a:ext cx="554269" cy="156804"/>
+            <a:xfrm flipH="1">
+              <a:off x="2636264" y="1655261"/>
+              <a:ext cx="493234" cy="232730"/>
             </a:xfrm>
             <a:prstGeom prst="line">
               <a:avLst/>
@@ -11052,6 +11072,44 @@
                 <a:schemeClr val="accent2"/>
               </a:solidFill>
               <a:prstDash val="sysDash"/>
+            </a:ln>
+          </p:spPr>
+          <p:style>
+            <a:lnRef idx="1">
+              <a:schemeClr val="accent1"/>
+            </a:lnRef>
+            <a:fillRef idx="0">
+              <a:schemeClr val="accent1"/>
+            </a:fillRef>
+            <a:effectRef idx="0">
+              <a:schemeClr val="accent1"/>
+            </a:effectRef>
+            <a:fontRef idx="minor">
+              <a:schemeClr val="tx1"/>
+            </a:fontRef>
+          </p:style>
+        </p:cxnSp>
+        <p:cxnSp>
+          <p:nvCxnSpPr>
+            <p:cNvPr id="69" name="Elbow Connector 68"/>
+            <p:cNvCxnSpPr>
+              <a:stCxn id="104" idx="3"/>
+              <a:endCxn id="7" idx="3"/>
+            </p:cNvCxnSpPr>
+            <p:nvPr/>
+          </p:nvCxnSpPr>
+          <p:spPr>
+            <a:xfrm flipH="1">
+              <a:off x="7064339" y="1549245"/>
+              <a:ext cx="391899" cy="2355202"/>
+            </a:xfrm>
+            <a:prstGeom prst="bentConnector3">
+              <a:avLst>
+                <a:gd name="adj1" fmla="val -27221"/>
+              </a:avLst>
+            </a:prstGeom>
+            <a:ln>
+              <a:tailEnd type="triangle"/>
             </a:ln>
           </p:spPr>
           <p:style>
